--- a/UsandoApi.pptx
+++ b/UsandoApi.pptx
@@ -6,6 +6,22 @@
   </p:sldMasterIdLst>
   <p:sldIdLst>
     <p:sldId id="256" r:id="rId2"/>
+    <p:sldId id="257" r:id="rId3"/>
+    <p:sldId id="258" r:id="rId4"/>
+    <p:sldId id="271" r:id="rId5"/>
+    <p:sldId id="259" r:id="rId6"/>
+    <p:sldId id="260" r:id="rId7"/>
+    <p:sldId id="261" r:id="rId8"/>
+    <p:sldId id="262" r:id="rId9"/>
+    <p:sldId id="263" r:id="rId10"/>
+    <p:sldId id="264" r:id="rId11"/>
+    <p:sldId id="272" r:id="rId12"/>
+    <p:sldId id="265" r:id="rId13"/>
+    <p:sldId id="267" r:id="rId14"/>
+    <p:sldId id="266" r:id="rId15"/>
+    <p:sldId id="269" r:id="rId16"/>
+    <p:sldId id="270" r:id="rId17"/>
+    <p:sldId id="268" r:id="rId18"/>
   </p:sldIdLst>
   <p:sldSz cx="12192000" cy="6858000"/>
   <p:notesSz cx="6858000" cy="9144000"/>
@@ -5790,7 +5806,43 @@
           <a:bodyPr/>
           <a:lstStyle/>
           <a:p>
-            <a:endParaRPr lang="pt-BR"/>
+            <a:r>
+              <a:rPr lang="en-US" dirty="0" err="1"/>
+              <a:t>Criando</a:t>
+            </a:r>
+            <a:r>
+              <a:rPr lang="en-US" dirty="0"/>
+              <a:t> </a:t>
+            </a:r>
+            <a:r>
+              <a:rPr lang="en-US" dirty="0" err="1"/>
+              <a:t>uma</a:t>
+            </a:r>
+            <a:r>
+              <a:rPr lang="en-US" dirty="0"/>
+              <a:t> </a:t>
+            </a:r>
+            <a:r>
+              <a:rPr lang="en-US" dirty="0" err="1"/>
+              <a:t>listagem</a:t>
+            </a:r>
+            <a:r>
+              <a:rPr lang="en-US" dirty="0"/>
+              <a:t> </a:t>
+            </a:r>
+            <a:r>
+              <a:rPr lang="en-US" dirty="0" err="1"/>
+              <a:t>usando</a:t>
+            </a:r>
+            <a:r>
+              <a:rPr lang="en-US" dirty="0"/>
+              <a:t> </a:t>
+            </a:r>
+            <a:r>
+              <a:rPr lang="en-US" dirty="0" err="1"/>
+              <a:t>api</a:t>
+            </a:r>
+            <a:endParaRPr lang="pt-BR" dirty="0"/>
           </a:p>
         </p:txBody>
       </p:sp>
@@ -5823,6 +5875,2474 @@
     <p:extLst>
       <p:ext uri="{BB962C8B-B14F-4D97-AF65-F5344CB8AC3E}">
         <p14:creationId xmlns:p14="http://schemas.microsoft.com/office/powerpoint/2010/main" val="2111159239"/>
+      </p:ext>
+    </p:extLst>
+  </p:cSld>
+  <p:clrMapOvr>
+    <a:masterClrMapping/>
+  </p:clrMapOvr>
+</p:sld>
+</file>
+
+<file path=ppt/slides/slide10.xml><?xml version="1.0" encoding="utf-8"?>
+<p:sld xmlns:a="http://schemas.openxmlformats.org/drawingml/2006/main" xmlns:r="http://schemas.openxmlformats.org/officeDocument/2006/relationships" xmlns:p="http://schemas.openxmlformats.org/presentationml/2006/main">
+  <p:cSld>
+    <p:spTree>
+      <p:nvGrpSpPr>
+        <p:cNvPr id="1" name=""/>
+        <p:cNvGrpSpPr/>
+        <p:nvPr/>
+      </p:nvGrpSpPr>
+      <p:grpSpPr>
+        <a:xfrm>
+          <a:off x="0" y="0"/>
+          <a:ext cx="0" cy="0"/>
+          <a:chOff x="0" y="0"/>
+          <a:chExt cx="0" cy="0"/>
+        </a:xfrm>
+      </p:grpSpPr>
+      <p:sp>
+        <p:nvSpPr>
+          <p:cNvPr id="2" name="Título 1">
+            <a:extLst>
+              <a:ext uri="{FF2B5EF4-FFF2-40B4-BE49-F238E27FC236}">
+                <a16:creationId xmlns:a16="http://schemas.microsoft.com/office/drawing/2014/main" id="{139DCCB3-B712-46E5-B420-39DA8A376BB6}"/>
+              </a:ext>
+            </a:extLst>
+          </p:cNvPr>
+          <p:cNvSpPr>
+            <a:spLocks noGrp="1"/>
+          </p:cNvSpPr>
+          <p:nvPr>
+            <p:ph type="title"/>
+          </p:nvPr>
+        </p:nvSpPr>
+        <p:spPr/>
+        <p:txBody>
+          <a:bodyPr/>
+          <a:lstStyle/>
+          <a:p>
+            <a:r>
+              <a:rPr lang="en-US" dirty="0"/>
+              <a:t>Grids</a:t>
+            </a:r>
+            <a:endParaRPr lang="pt-BR" dirty="0"/>
+          </a:p>
+        </p:txBody>
+      </p:sp>
+      <p:sp>
+        <p:nvSpPr>
+          <p:cNvPr id="3" name="Espaço Reservado para Conteúdo 2">
+            <a:extLst>
+              <a:ext uri="{FF2B5EF4-FFF2-40B4-BE49-F238E27FC236}">
+                <a16:creationId xmlns:a16="http://schemas.microsoft.com/office/drawing/2014/main" id="{B27D3B65-0EB0-4A95-A909-CB6221F99AEB}"/>
+              </a:ext>
+            </a:extLst>
+          </p:cNvPr>
+          <p:cNvSpPr>
+            <a:spLocks noGrp="1"/>
+          </p:cNvSpPr>
+          <p:nvPr>
+            <p:ph idx="1"/>
+          </p:nvPr>
+        </p:nvSpPr>
+        <p:spPr/>
+        <p:txBody>
+          <a:bodyPr/>
+          <a:lstStyle/>
+          <a:p>
+            <a:endParaRPr lang="pt-BR"/>
+          </a:p>
+        </p:txBody>
+      </p:sp>
+      <p:pic>
+        <p:nvPicPr>
+          <p:cNvPr id="4" name="Imagem 3">
+            <a:extLst>
+              <a:ext uri="{FF2B5EF4-FFF2-40B4-BE49-F238E27FC236}">
+                <a16:creationId xmlns:a16="http://schemas.microsoft.com/office/drawing/2014/main" id="{747D6EF1-7BD8-405E-BA72-619EF4091E92}"/>
+              </a:ext>
+            </a:extLst>
+          </p:cNvPr>
+          <p:cNvPicPr>
+            <a:picLocks noChangeAspect="1"/>
+          </p:cNvPicPr>
+          <p:nvPr/>
+        </p:nvPicPr>
+        <p:blipFill>
+          <a:blip r:embed="rId2"/>
+          <a:stretch>
+            <a:fillRect/>
+          </a:stretch>
+        </p:blipFill>
+        <p:spPr>
+          <a:xfrm>
+            <a:off x="449316" y="1657447"/>
+            <a:ext cx="11056883" cy="4932337"/>
+          </a:xfrm>
+          <a:prstGeom prst="rect">
+            <a:avLst/>
+          </a:prstGeom>
+        </p:spPr>
+      </p:pic>
+    </p:spTree>
+    <p:extLst>
+      <p:ext uri="{BB962C8B-B14F-4D97-AF65-F5344CB8AC3E}">
+        <p14:creationId xmlns:p14="http://schemas.microsoft.com/office/powerpoint/2010/main" val="1169697507"/>
+      </p:ext>
+    </p:extLst>
+  </p:cSld>
+  <p:clrMapOvr>
+    <a:masterClrMapping/>
+  </p:clrMapOvr>
+</p:sld>
+</file>
+
+<file path=ppt/slides/slide11.xml><?xml version="1.0" encoding="utf-8"?>
+<p:sld xmlns:a="http://schemas.openxmlformats.org/drawingml/2006/main" xmlns:r="http://schemas.openxmlformats.org/officeDocument/2006/relationships" xmlns:p="http://schemas.openxmlformats.org/presentationml/2006/main">
+  <p:cSld>
+    <p:spTree>
+      <p:nvGrpSpPr>
+        <p:cNvPr id="1" name=""/>
+        <p:cNvGrpSpPr/>
+        <p:nvPr/>
+      </p:nvGrpSpPr>
+      <p:grpSpPr>
+        <a:xfrm>
+          <a:off x="0" y="0"/>
+          <a:ext cx="0" cy="0"/>
+          <a:chOff x="0" y="0"/>
+          <a:chExt cx="0" cy="0"/>
+        </a:xfrm>
+      </p:grpSpPr>
+      <p:sp>
+        <p:nvSpPr>
+          <p:cNvPr id="2" name="Título 1">
+            <a:extLst>
+              <a:ext uri="{FF2B5EF4-FFF2-40B4-BE49-F238E27FC236}">
+                <a16:creationId xmlns:a16="http://schemas.microsoft.com/office/drawing/2014/main" id="{C1F0C524-9D70-4560-AF6B-55BE1FCFEAFD}"/>
+              </a:ext>
+            </a:extLst>
+          </p:cNvPr>
+          <p:cNvSpPr>
+            <a:spLocks noGrp="1"/>
+          </p:cNvSpPr>
+          <p:nvPr>
+            <p:ph type="title"/>
+          </p:nvPr>
+        </p:nvSpPr>
+        <p:spPr/>
+        <p:txBody>
+          <a:bodyPr/>
+          <a:lstStyle/>
+          <a:p>
+            <a:r>
+              <a:rPr lang="en-US" dirty="0" err="1"/>
+              <a:t>pokeapi</a:t>
+            </a:r>
+            <a:endParaRPr lang="pt-BR" dirty="0"/>
+          </a:p>
+        </p:txBody>
+      </p:sp>
+      <p:sp>
+        <p:nvSpPr>
+          <p:cNvPr id="3" name="Espaço Reservado para Conteúdo 2">
+            <a:extLst>
+              <a:ext uri="{FF2B5EF4-FFF2-40B4-BE49-F238E27FC236}">
+                <a16:creationId xmlns:a16="http://schemas.microsoft.com/office/drawing/2014/main" id="{943289BF-ADD6-48CA-B0AF-3D1700307D48}"/>
+              </a:ext>
+            </a:extLst>
+          </p:cNvPr>
+          <p:cNvSpPr>
+            <a:spLocks noGrp="1"/>
+          </p:cNvSpPr>
+          <p:nvPr>
+            <p:ph idx="1"/>
+          </p:nvPr>
+        </p:nvSpPr>
+        <p:spPr/>
+        <p:txBody>
+          <a:bodyPr/>
+          <a:lstStyle/>
+          <a:p>
+            <a:r>
+              <a:rPr lang="pt-BR" dirty="0">
+                <a:hlinkClick r:id="rId2"/>
+              </a:rPr>
+              <a:t>https://pokeapi.co/</a:t>
+            </a:r>
+            <a:endParaRPr lang="pt-BR" dirty="0"/>
+          </a:p>
+          <a:p>
+            <a:endParaRPr lang="pt-BR" dirty="0"/>
+          </a:p>
+          <a:p>
+            <a:r>
+              <a:rPr lang="pt-BR" dirty="0"/>
+              <a:t>Ela fornece todos os dados de Pokémon que você precisa em um só lugar.</a:t>
+            </a:r>
+          </a:p>
+        </p:txBody>
+      </p:sp>
+    </p:spTree>
+    <p:extLst>
+      <p:ext uri="{BB962C8B-B14F-4D97-AF65-F5344CB8AC3E}">
+        <p14:creationId xmlns:p14="http://schemas.microsoft.com/office/powerpoint/2010/main" val="2873872864"/>
+      </p:ext>
+    </p:extLst>
+  </p:cSld>
+  <p:clrMapOvr>
+    <a:masterClrMapping/>
+  </p:clrMapOvr>
+</p:sld>
+</file>
+
+<file path=ppt/slides/slide12.xml><?xml version="1.0" encoding="utf-8"?>
+<p:sld xmlns:a="http://schemas.openxmlformats.org/drawingml/2006/main" xmlns:r="http://schemas.openxmlformats.org/officeDocument/2006/relationships" xmlns:p="http://schemas.openxmlformats.org/presentationml/2006/main">
+  <p:cSld>
+    <p:spTree>
+      <p:nvGrpSpPr>
+        <p:cNvPr id="1" name=""/>
+        <p:cNvGrpSpPr/>
+        <p:nvPr/>
+      </p:nvGrpSpPr>
+      <p:grpSpPr>
+        <a:xfrm>
+          <a:off x="0" y="0"/>
+          <a:ext cx="0" cy="0"/>
+          <a:chOff x="0" y="0"/>
+          <a:chExt cx="0" cy="0"/>
+        </a:xfrm>
+      </p:grpSpPr>
+      <p:sp>
+        <p:nvSpPr>
+          <p:cNvPr id="2" name="Título 1">
+            <a:extLst>
+              <a:ext uri="{FF2B5EF4-FFF2-40B4-BE49-F238E27FC236}">
+                <a16:creationId xmlns:a16="http://schemas.microsoft.com/office/drawing/2014/main" id="{2F1AB63C-261C-4B26-B2E1-DEEAE66F7381}"/>
+              </a:ext>
+            </a:extLst>
+          </p:cNvPr>
+          <p:cNvSpPr>
+            <a:spLocks noGrp="1"/>
+          </p:cNvSpPr>
+          <p:nvPr>
+            <p:ph type="title"/>
+          </p:nvPr>
+        </p:nvSpPr>
+        <p:spPr/>
+        <p:txBody>
+          <a:bodyPr/>
+          <a:lstStyle/>
+          <a:p>
+            <a:r>
+              <a:rPr lang="en-US" dirty="0"/>
+              <a:t>API</a:t>
+            </a:r>
+            <a:endParaRPr lang="pt-BR" dirty="0"/>
+          </a:p>
+        </p:txBody>
+      </p:sp>
+      <p:sp>
+        <p:nvSpPr>
+          <p:cNvPr id="3" name="Espaço Reservado para Conteúdo 2">
+            <a:extLst>
+              <a:ext uri="{FF2B5EF4-FFF2-40B4-BE49-F238E27FC236}">
+                <a16:creationId xmlns:a16="http://schemas.microsoft.com/office/drawing/2014/main" id="{E4EF1EF7-7B99-499A-B6BB-886105C4A43E}"/>
+              </a:ext>
+            </a:extLst>
+          </p:cNvPr>
+          <p:cNvSpPr>
+            <a:spLocks noGrp="1"/>
+          </p:cNvSpPr>
+          <p:nvPr>
+            <p:ph idx="1"/>
+          </p:nvPr>
+        </p:nvSpPr>
+        <p:spPr/>
+        <p:txBody>
+          <a:bodyPr/>
+          <a:lstStyle/>
+          <a:p>
+            <a:endParaRPr lang="pt-BR" dirty="0"/>
+          </a:p>
+        </p:txBody>
+      </p:sp>
+      <p:pic>
+        <p:nvPicPr>
+          <p:cNvPr id="5" name="Imagem 4">
+            <a:extLst>
+              <a:ext uri="{FF2B5EF4-FFF2-40B4-BE49-F238E27FC236}">
+                <a16:creationId xmlns:a16="http://schemas.microsoft.com/office/drawing/2014/main" id="{1950F270-209A-4066-B8CB-85E9E0CE55A1}"/>
+              </a:ext>
+            </a:extLst>
+          </p:cNvPr>
+          <p:cNvPicPr>
+            <a:picLocks noChangeAspect="1"/>
+          </p:cNvPicPr>
+          <p:nvPr/>
+        </p:nvPicPr>
+        <p:blipFill>
+          <a:blip r:embed="rId2"/>
+          <a:stretch>
+            <a:fillRect/>
+          </a:stretch>
+        </p:blipFill>
+        <p:spPr>
+          <a:xfrm>
+            <a:off x="584994" y="1919563"/>
+            <a:ext cx="10333037" cy="2650067"/>
+          </a:xfrm>
+          <a:prstGeom prst="rect">
+            <a:avLst/>
+          </a:prstGeom>
+        </p:spPr>
+      </p:pic>
+    </p:spTree>
+    <p:extLst>
+      <p:ext uri="{BB962C8B-B14F-4D97-AF65-F5344CB8AC3E}">
+        <p14:creationId xmlns:p14="http://schemas.microsoft.com/office/powerpoint/2010/main" val="1705590063"/>
+      </p:ext>
+    </p:extLst>
+  </p:cSld>
+  <p:clrMapOvr>
+    <a:masterClrMapping/>
+  </p:clrMapOvr>
+</p:sld>
+</file>
+
+<file path=ppt/slides/slide13.xml><?xml version="1.0" encoding="utf-8"?>
+<p:sld xmlns:a="http://schemas.openxmlformats.org/drawingml/2006/main" xmlns:r="http://schemas.openxmlformats.org/officeDocument/2006/relationships" xmlns:p="http://schemas.openxmlformats.org/presentationml/2006/main">
+  <p:cSld>
+    <p:spTree>
+      <p:nvGrpSpPr>
+        <p:cNvPr id="1" name=""/>
+        <p:cNvGrpSpPr/>
+        <p:nvPr/>
+      </p:nvGrpSpPr>
+      <p:grpSpPr>
+        <a:xfrm>
+          <a:off x="0" y="0"/>
+          <a:ext cx="0" cy="0"/>
+          <a:chOff x="0" y="0"/>
+          <a:chExt cx="0" cy="0"/>
+        </a:xfrm>
+      </p:grpSpPr>
+      <p:sp>
+        <p:nvSpPr>
+          <p:cNvPr id="2" name="Título 1">
+            <a:extLst>
+              <a:ext uri="{FF2B5EF4-FFF2-40B4-BE49-F238E27FC236}">
+                <a16:creationId xmlns:a16="http://schemas.microsoft.com/office/drawing/2014/main" id="{F18B6819-E942-4A9C-ACD7-3BC8153F0A5B}"/>
+              </a:ext>
+            </a:extLst>
+          </p:cNvPr>
+          <p:cNvSpPr>
+            <a:spLocks noGrp="1"/>
+          </p:cNvSpPr>
+          <p:nvPr>
+            <p:ph type="title"/>
+          </p:nvPr>
+        </p:nvSpPr>
+        <p:spPr/>
+        <p:txBody>
+          <a:bodyPr/>
+          <a:lstStyle/>
+          <a:p>
+            <a:endParaRPr lang="pt-BR"/>
+          </a:p>
+        </p:txBody>
+      </p:sp>
+      <p:sp>
+        <p:nvSpPr>
+          <p:cNvPr id="3" name="Espaço Reservado para Conteúdo 2">
+            <a:extLst>
+              <a:ext uri="{FF2B5EF4-FFF2-40B4-BE49-F238E27FC236}">
+                <a16:creationId xmlns:a16="http://schemas.microsoft.com/office/drawing/2014/main" id="{944D39A5-7D83-41B3-B2BC-936CB0EFBE5D}"/>
+              </a:ext>
+            </a:extLst>
+          </p:cNvPr>
+          <p:cNvSpPr>
+            <a:spLocks noGrp="1"/>
+          </p:cNvSpPr>
+          <p:nvPr>
+            <p:ph idx="1"/>
+          </p:nvPr>
+        </p:nvSpPr>
+        <p:spPr/>
+        <p:txBody>
+          <a:bodyPr/>
+          <a:lstStyle/>
+          <a:p>
+            <a:endParaRPr lang="pt-BR"/>
+          </a:p>
+        </p:txBody>
+      </p:sp>
+      <p:pic>
+        <p:nvPicPr>
+          <p:cNvPr id="6" name="Imagem 5">
+            <a:extLst>
+              <a:ext uri="{FF2B5EF4-FFF2-40B4-BE49-F238E27FC236}">
+                <a16:creationId xmlns:a16="http://schemas.microsoft.com/office/drawing/2014/main" id="{DE07A902-E46D-4005-83C4-E6F3ED6AE539}"/>
+              </a:ext>
+            </a:extLst>
+          </p:cNvPr>
+          <p:cNvPicPr>
+            <a:picLocks noChangeAspect="1"/>
+          </p:cNvPicPr>
+          <p:nvPr/>
+        </p:nvPicPr>
+        <p:blipFill>
+          <a:blip r:embed="rId2"/>
+          <a:stretch>
+            <a:fillRect/>
+          </a:stretch>
+        </p:blipFill>
+        <p:spPr>
+          <a:xfrm>
+            <a:off x="685800" y="651196"/>
+            <a:ext cx="10447131" cy="5274116"/>
+          </a:xfrm>
+          <a:prstGeom prst="rect">
+            <a:avLst/>
+          </a:prstGeom>
+        </p:spPr>
+      </p:pic>
+    </p:spTree>
+    <p:extLst>
+      <p:ext uri="{BB962C8B-B14F-4D97-AF65-F5344CB8AC3E}">
+        <p14:creationId xmlns:p14="http://schemas.microsoft.com/office/powerpoint/2010/main" val="1386759561"/>
+      </p:ext>
+    </p:extLst>
+  </p:cSld>
+  <p:clrMapOvr>
+    <a:masterClrMapping/>
+  </p:clrMapOvr>
+</p:sld>
+</file>
+
+<file path=ppt/slides/slide14.xml><?xml version="1.0" encoding="utf-8"?>
+<p:sld xmlns:a="http://schemas.openxmlformats.org/drawingml/2006/main" xmlns:r="http://schemas.openxmlformats.org/officeDocument/2006/relationships" xmlns:p="http://schemas.openxmlformats.org/presentationml/2006/main">
+  <p:cSld>
+    <p:spTree>
+      <p:nvGrpSpPr>
+        <p:cNvPr id="1" name=""/>
+        <p:cNvGrpSpPr/>
+        <p:nvPr/>
+      </p:nvGrpSpPr>
+      <p:grpSpPr>
+        <a:xfrm>
+          <a:off x="0" y="0"/>
+          <a:ext cx="0" cy="0"/>
+          <a:chOff x="0" y="0"/>
+          <a:chExt cx="0" cy="0"/>
+        </a:xfrm>
+      </p:grpSpPr>
+      <p:sp>
+        <p:nvSpPr>
+          <p:cNvPr id="2" name="Título 1">
+            <a:extLst>
+              <a:ext uri="{FF2B5EF4-FFF2-40B4-BE49-F238E27FC236}">
+                <a16:creationId xmlns:a16="http://schemas.microsoft.com/office/drawing/2014/main" id="{FDE2BC91-5981-4D1E-97F2-D7EAEE15F536}"/>
+              </a:ext>
+            </a:extLst>
+          </p:cNvPr>
+          <p:cNvSpPr>
+            <a:spLocks noGrp="1"/>
+          </p:cNvSpPr>
+          <p:nvPr>
+            <p:ph type="title"/>
+          </p:nvPr>
+        </p:nvSpPr>
+        <p:spPr/>
+        <p:txBody>
+          <a:bodyPr/>
+          <a:lstStyle/>
+          <a:p>
+            <a:r>
+              <a:rPr lang="en-US" dirty="0" err="1"/>
+              <a:t>Onde</a:t>
+            </a:r>
+            <a:r>
+              <a:rPr lang="en-US" dirty="0"/>
+              <a:t> </a:t>
+            </a:r>
+            <a:r>
+              <a:rPr lang="en-US" dirty="0" err="1"/>
+              <a:t>montamos</a:t>
+            </a:r>
+            <a:r>
+              <a:rPr lang="en-US" dirty="0"/>
+              <a:t> </a:t>
+            </a:r>
+            <a:r>
+              <a:rPr lang="en-US" dirty="0" err="1"/>
+              <a:t>os</a:t>
+            </a:r>
+            <a:r>
+              <a:rPr lang="en-US" dirty="0"/>
+              <a:t> </a:t>
+            </a:r>
+            <a:r>
+              <a:rPr lang="en-US" dirty="0" err="1"/>
+              <a:t>objetos</a:t>
+            </a:r>
+            <a:r>
+              <a:rPr lang="en-US" dirty="0"/>
+              <a:t> com </a:t>
+            </a:r>
+            <a:r>
+              <a:rPr lang="en-US" dirty="0" err="1"/>
+              <a:t>os</a:t>
+            </a:r>
+            <a:r>
+              <a:rPr lang="en-US" dirty="0"/>
+              <a:t> </a:t>
+            </a:r>
+            <a:r>
+              <a:rPr lang="en-US" dirty="0" err="1"/>
+              <a:t>elementos</a:t>
+            </a:r>
+            <a:r>
+              <a:rPr lang="en-US" dirty="0"/>
+              <a:t> </a:t>
+            </a:r>
+            <a:r>
+              <a:rPr lang="en-US" dirty="0" err="1"/>
+              <a:t>recebidos</a:t>
+            </a:r>
+            <a:r>
+              <a:rPr lang="en-US" dirty="0"/>
+              <a:t> da </a:t>
+            </a:r>
+            <a:r>
+              <a:rPr lang="en-US" dirty="0" err="1"/>
+              <a:t>api</a:t>
+            </a:r>
+            <a:endParaRPr lang="pt-BR" dirty="0"/>
+          </a:p>
+        </p:txBody>
+      </p:sp>
+      <p:pic>
+        <p:nvPicPr>
+          <p:cNvPr id="4" name="Espaço Reservado para Conteúdo 3">
+            <a:extLst>
+              <a:ext uri="{FF2B5EF4-FFF2-40B4-BE49-F238E27FC236}">
+                <a16:creationId xmlns:a16="http://schemas.microsoft.com/office/drawing/2014/main" id="{C4D3B4C3-F778-4EE0-9B05-3045B30831DF}"/>
+              </a:ext>
+            </a:extLst>
+          </p:cNvPr>
+          <p:cNvPicPr>
+            <a:picLocks noGrp="1" noChangeAspect="1"/>
+          </p:cNvPicPr>
+          <p:nvPr>
+            <p:ph idx="1"/>
+          </p:nvPr>
+        </p:nvPicPr>
+        <p:blipFill>
+          <a:blip r:embed="rId2"/>
+          <a:stretch>
+            <a:fillRect/>
+          </a:stretch>
+        </p:blipFill>
+        <p:spPr>
+          <a:xfrm>
+            <a:off x="1207103" y="2264325"/>
+            <a:ext cx="9088820" cy="4427888"/>
+          </a:xfrm>
+          <a:prstGeom prst="rect">
+            <a:avLst/>
+          </a:prstGeom>
+        </p:spPr>
+      </p:pic>
+    </p:spTree>
+    <p:extLst>
+      <p:ext uri="{BB962C8B-B14F-4D97-AF65-F5344CB8AC3E}">
+        <p14:creationId xmlns:p14="http://schemas.microsoft.com/office/powerpoint/2010/main" val="3158638074"/>
+      </p:ext>
+    </p:extLst>
+  </p:cSld>
+  <p:clrMapOvr>
+    <a:masterClrMapping/>
+  </p:clrMapOvr>
+</p:sld>
+</file>
+
+<file path=ppt/slides/slide15.xml><?xml version="1.0" encoding="utf-8"?>
+<p:sld xmlns:a="http://schemas.openxmlformats.org/drawingml/2006/main" xmlns:r="http://schemas.openxmlformats.org/officeDocument/2006/relationships" xmlns:p="http://schemas.openxmlformats.org/presentationml/2006/main">
+  <p:cSld>
+    <p:spTree>
+      <p:nvGrpSpPr>
+        <p:cNvPr id="1" name=""/>
+        <p:cNvGrpSpPr/>
+        <p:nvPr/>
+      </p:nvGrpSpPr>
+      <p:grpSpPr>
+        <a:xfrm>
+          <a:off x="0" y="0"/>
+          <a:ext cx="0" cy="0"/>
+          <a:chOff x="0" y="0"/>
+          <a:chExt cx="0" cy="0"/>
+        </a:xfrm>
+      </p:grpSpPr>
+      <p:sp>
+        <p:nvSpPr>
+          <p:cNvPr id="2" name="Título 1">
+            <a:extLst>
+              <a:ext uri="{FF2B5EF4-FFF2-40B4-BE49-F238E27FC236}">
+                <a16:creationId xmlns:a16="http://schemas.microsoft.com/office/drawing/2014/main" id="{E9CCE061-B321-4094-A738-D7B2B183E788}"/>
+              </a:ext>
+            </a:extLst>
+          </p:cNvPr>
+          <p:cNvSpPr>
+            <a:spLocks noGrp="1"/>
+          </p:cNvSpPr>
+          <p:nvPr>
+            <p:ph type="title"/>
+          </p:nvPr>
+        </p:nvSpPr>
+        <p:spPr/>
+        <p:txBody>
+          <a:bodyPr/>
+          <a:lstStyle/>
+          <a:p>
+            <a:r>
+              <a:rPr lang="en-US" dirty="0"/>
+              <a:t>.map() </a:t>
+            </a:r>
+            <a:r>
+              <a:rPr lang="en-US" dirty="0" err="1"/>
+              <a:t>em</a:t>
+            </a:r>
+            <a:r>
+              <a:rPr lang="en-US" dirty="0"/>
+              <a:t> types</a:t>
+            </a:r>
+            <a:endParaRPr lang="pt-BR" dirty="0"/>
+          </a:p>
+        </p:txBody>
+      </p:sp>
+      <p:sp>
+        <p:nvSpPr>
+          <p:cNvPr id="3" name="Espaço Reservado para Conteúdo 2">
+            <a:extLst>
+              <a:ext uri="{FF2B5EF4-FFF2-40B4-BE49-F238E27FC236}">
+                <a16:creationId xmlns:a16="http://schemas.microsoft.com/office/drawing/2014/main" id="{3B135A1F-6B12-44A5-A188-344276553475}"/>
+              </a:ext>
+            </a:extLst>
+          </p:cNvPr>
+          <p:cNvSpPr>
+            <a:spLocks noGrp="1"/>
+          </p:cNvSpPr>
+          <p:nvPr>
+            <p:ph idx="1"/>
+          </p:nvPr>
+        </p:nvSpPr>
+        <p:spPr/>
+        <p:txBody>
+          <a:bodyPr/>
+          <a:lstStyle/>
+          <a:p>
+            <a:endParaRPr lang="pt-BR"/>
+          </a:p>
+        </p:txBody>
+      </p:sp>
+      <p:pic>
+        <p:nvPicPr>
+          <p:cNvPr id="4" name="Imagem 3">
+            <a:extLst>
+              <a:ext uri="{FF2B5EF4-FFF2-40B4-BE49-F238E27FC236}">
+                <a16:creationId xmlns:a16="http://schemas.microsoft.com/office/drawing/2014/main" id="{442BF694-4136-4B60-97F3-D35D8451CEE1}"/>
+              </a:ext>
+            </a:extLst>
+          </p:cNvPr>
+          <p:cNvPicPr>
+            <a:picLocks noChangeAspect="1"/>
+          </p:cNvPicPr>
+          <p:nvPr/>
+        </p:nvPicPr>
+        <p:blipFill>
+          <a:blip r:embed="rId2"/>
+          <a:stretch>
+            <a:fillRect/>
+          </a:stretch>
+        </p:blipFill>
+        <p:spPr>
+          <a:xfrm>
+            <a:off x="1374774" y="4186089"/>
+            <a:ext cx="8689119" cy="877267"/>
+          </a:xfrm>
+          <a:prstGeom prst="rect">
+            <a:avLst/>
+          </a:prstGeom>
+        </p:spPr>
+      </p:pic>
+      <p:pic>
+        <p:nvPicPr>
+          <p:cNvPr id="5" name="Imagem 4">
+            <a:extLst>
+              <a:ext uri="{FF2B5EF4-FFF2-40B4-BE49-F238E27FC236}">
+                <a16:creationId xmlns:a16="http://schemas.microsoft.com/office/drawing/2014/main" id="{1FD9F39E-CA39-4E8A-8666-446B9EC57EE5}"/>
+              </a:ext>
+            </a:extLst>
+          </p:cNvPr>
+          <p:cNvPicPr>
+            <a:picLocks noChangeAspect="1"/>
+          </p:cNvPicPr>
+          <p:nvPr/>
+        </p:nvPicPr>
+        <p:blipFill>
+          <a:blip r:embed="rId3"/>
+          <a:stretch>
+            <a:fillRect/>
+          </a:stretch>
+        </p:blipFill>
+        <p:spPr>
+          <a:xfrm>
+            <a:off x="1374774" y="2314920"/>
+            <a:ext cx="8793871" cy="1520952"/>
+          </a:xfrm>
+          <a:prstGeom prst="rect">
+            <a:avLst/>
+          </a:prstGeom>
+        </p:spPr>
+      </p:pic>
+    </p:spTree>
+    <p:extLst>
+      <p:ext uri="{BB962C8B-B14F-4D97-AF65-F5344CB8AC3E}">
+        <p14:creationId xmlns:p14="http://schemas.microsoft.com/office/powerpoint/2010/main" val="4259181121"/>
+      </p:ext>
+    </p:extLst>
+  </p:cSld>
+  <p:clrMapOvr>
+    <a:masterClrMapping/>
+  </p:clrMapOvr>
+</p:sld>
+</file>
+
+<file path=ppt/slides/slide16.xml><?xml version="1.0" encoding="utf-8"?>
+<p:sld xmlns:a="http://schemas.openxmlformats.org/drawingml/2006/main" xmlns:r="http://schemas.openxmlformats.org/officeDocument/2006/relationships" xmlns:p="http://schemas.openxmlformats.org/presentationml/2006/main">
+  <p:cSld>
+    <p:spTree>
+      <p:nvGrpSpPr>
+        <p:cNvPr id="1" name=""/>
+        <p:cNvGrpSpPr/>
+        <p:nvPr/>
+      </p:nvGrpSpPr>
+      <p:grpSpPr>
+        <a:xfrm>
+          <a:off x="0" y="0"/>
+          <a:ext cx="0" cy="0"/>
+          <a:chOff x="0" y="0"/>
+          <a:chExt cx="0" cy="0"/>
+        </a:xfrm>
+      </p:grpSpPr>
+      <p:sp>
+        <p:nvSpPr>
+          <p:cNvPr id="2" name="Título 1">
+            <a:extLst>
+              <a:ext uri="{FF2B5EF4-FFF2-40B4-BE49-F238E27FC236}">
+                <a16:creationId xmlns:a16="http://schemas.microsoft.com/office/drawing/2014/main" id="{F47C8672-5F96-4783-B861-F2293AA5C4CF}"/>
+              </a:ext>
+            </a:extLst>
+          </p:cNvPr>
+          <p:cNvSpPr>
+            <a:spLocks noGrp="1"/>
+          </p:cNvSpPr>
+          <p:nvPr>
+            <p:ph type="title"/>
+          </p:nvPr>
+        </p:nvSpPr>
+        <p:spPr/>
+        <p:txBody>
+          <a:bodyPr/>
+          <a:lstStyle/>
+          <a:p>
+            <a:r>
+              <a:rPr lang="en-US" dirty="0" err="1"/>
+              <a:t>Convertendo</a:t>
+            </a:r>
+            <a:r>
+              <a:rPr lang="en-US" dirty="0"/>
+              <a:t> </a:t>
+            </a:r>
+            <a:r>
+              <a:rPr lang="en-US" dirty="0" err="1"/>
+              <a:t>isso</a:t>
+            </a:r>
+            <a:r>
+              <a:rPr lang="en-US" dirty="0"/>
+              <a:t> para string (</a:t>
+            </a:r>
+            <a:r>
+              <a:rPr lang="en-US" dirty="0" err="1"/>
+              <a:t>linha</a:t>
+            </a:r>
+            <a:r>
+              <a:rPr lang="en-US" dirty="0"/>
+              <a:t> de </a:t>
+            </a:r>
+            <a:r>
+              <a:rPr lang="en-US" dirty="0" err="1"/>
+              <a:t>texto</a:t>
+            </a:r>
+            <a:r>
+              <a:rPr lang="en-US" dirty="0"/>
+              <a:t>)</a:t>
+            </a:r>
+            <a:endParaRPr lang="pt-BR" dirty="0"/>
+          </a:p>
+        </p:txBody>
+      </p:sp>
+      <p:sp>
+        <p:nvSpPr>
+          <p:cNvPr id="3" name="Espaço Reservado para Conteúdo 2">
+            <a:extLst>
+              <a:ext uri="{FF2B5EF4-FFF2-40B4-BE49-F238E27FC236}">
+                <a16:creationId xmlns:a16="http://schemas.microsoft.com/office/drawing/2014/main" id="{7F6D1D9E-B55D-496E-8F85-B4615BC4049E}"/>
+              </a:ext>
+            </a:extLst>
+          </p:cNvPr>
+          <p:cNvSpPr>
+            <a:spLocks noGrp="1"/>
+          </p:cNvSpPr>
+          <p:nvPr>
+            <p:ph idx="1"/>
+          </p:nvPr>
+        </p:nvSpPr>
+        <p:spPr/>
+        <p:txBody>
+          <a:bodyPr/>
+          <a:lstStyle/>
+          <a:p>
+            <a:endParaRPr lang="pt-BR"/>
+          </a:p>
+        </p:txBody>
+      </p:sp>
+      <p:pic>
+        <p:nvPicPr>
+          <p:cNvPr id="4" name="Imagem 3">
+            <a:extLst>
+              <a:ext uri="{FF2B5EF4-FFF2-40B4-BE49-F238E27FC236}">
+                <a16:creationId xmlns:a16="http://schemas.microsoft.com/office/drawing/2014/main" id="{1DC4EEDE-935D-4373-BEA4-9EAF919C7CD9}"/>
+              </a:ext>
+            </a:extLst>
+          </p:cNvPr>
+          <p:cNvPicPr>
+            <a:picLocks noChangeAspect="1"/>
+          </p:cNvPicPr>
+          <p:nvPr/>
+        </p:nvPicPr>
+        <p:blipFill>
+          <a:blip r:embed="rId2"/>
+          <a:stretch>
+            <a:fillRect/>
+          </a:stretch>
+        </p:blipFill>
+        <p:spPr>
+          <a:xfrm>
+            <a:off x="1601338" y="4397587"/>
+            <a:ext cx="8300350" cy="1215977"/>
+          </a:xfrm>
+          <a:prstGeom prst="rect">
+            <a:avLst/>
+          </a:prstGeom>
+        </p:spPr>
+      </p:pic>
+      <p:pic>
+        <p:nvPicPr>
+          <p:cNvPr id="5" name="Imagem 4">
+            <a:extLst>
+              <a:ext uri="{FF2B5EF4-FFF2-40B4-BE49-F238E27FC236}">
+                <a16:creationId xmlns:a16="http://schemas.microsoft.com/office/drawing/2014/main" id="{789D5B13-2EB3-4079-82E7-1ADA25DFC00F}"/>
+              </a:ext>
+            </a:extLst>
+          </p:cNvPr>
+          <p:cNvPicPr>
+            <a:picLocks noChangeAspect="1"/>
+          </p:cNvPicPr>
+          <p:nvPr/>
+        </p:nvPicPr>
+        <p:blipFill>
+          <a:blip r:embed="rId3"/>
+          <a:stretch>
+            <a:fillRect/>
+          </a:stretch>
+        </p:blipFill>
+        <p:spPr>
+          <a:xfrm>
+            <a:off x="1601338" y="2427967"/>
+            <a:ext cx="8374686" cy="1483802"/>
+          </a:xfrm>
+          <a:prstGeom prst="rect">
+            <a:avLst/>
+          </a:prstGeom>
+        </p:spPr>
+      </p:pic>
+    </p:spTree>
+    <p:extLst>
+      <p:ext uri="{BB962C8B-B14F-4D97-AF65-F5344CB8AC3E}">
+        <p14:creationId xmlns:p14="http://schemas.microsoft.com/office/powerpoint/2010/main" val="775111229"/>
+      </p:ext>
+    </p:extLst>
+  </p:cSld>
+  <p:clrMapOvr>
+    <a:masterClrMapping/>
+  </p:clrMapOvr>
+</p:sld>
+</file>
+
+<file path=ppt/slides/slide17.xml><?xml version="1.0" encoding="utf-8"?>
+<p:sld xmlns:a="http://schemas.openxmlformats.org/drawingml/2006/main" xmlns:r="http://schemas.openxmlformats.org/officeDocument/2006/relationships" xmlns:p="http://schemas.openxmlformats.org/presentationml/2006/main">
+  <p:cSld>
+    <p:spTree>
+      <p:nvGrpSpPr>
+        <p:cNvPr id="1" name=""/>
+        <p:cNvGrpSpPr/>
+        <p:nvPr/>
+      </p:nvGrpSpPr>
+      <p:grpSpPr>
+        <a:xfrm>
+          <a:off x="0" y="0"/>
+          <a:ext cx="0" cy="0"/>
+          <a:chOff x="0" y="0"/>
+          <a:chExt cx="0" cy="0"/>
+        </a:xfrm>
+      </p:grpSpPr>
+      <p:sp>
+        <p:nvSpPr>
+          <p:cNvPr id="2" name="Título 1">
+            <a:extLst>
+              <a:ext uri="{FF2B5EF4-FFF2-40B4-BE49-F238E27FC236}">
+                <a16:creationId xmlns:a16="http://schemas.microsoft.com/office/drawing/2014/main" id="{3791F7D2-11F6-4DB7-8299-BFC65D0A6B2A}"/>
+              </a:ext>
+            </a:extLst>
+          </p:cNvPr>
+          <p:cNvSpPr>
+            <a:spLocks noGrp="1"/>
+          </p:cNvSpPr>
+          <p:nvPr>
+            <p:ph type="title"/>
+          </p:nvPr>
+        </p:nvSpPr>
+        <p:spPr/>
+        <p:txBody>
+          <a:bodyPr/>
+          <a:lstStyle/>
+          <a:p>
+            <a:r>
+              <a:rPr lang="en-US" dirty="0"/>
+              <a:t>Por </a:t>
+            </a:r>
+            <a:r>
+              <a:rPr lang="en-US" dirty="0" err="1"/>
+              <a:t>fim</a:t>
+            </a:r>
+            <a:endParaRPr lang="pt-BR" dirty="0"/>
+          </a:p>
+        </p:txBody>
+      </p:sp>
+      <p:sp>
+        <p:nvSpPr>
+          <p:cNvPr id="3" name="Espaço Reservado para Conteúdo 2">
+            <a:extLst>
+              <a:ext uri="{FF2B5EF4-FFF2-40B4-BE49-F238E27FC236}">
+                <a16:creationId xmlns:a16="http://schemas.microsoft.com/office/drawing/2014/main" id="{4C6AA36E-F0FC-4695-9ED3-FFA421820E37}"/>
+              </a:ext>
+            </a:extLst>
+          </p:cNvPr>
+          <p:cNvSpPr>
+            <a:spLocks noGrp="1"/>
+          </p:cNvSpPr>
+          <p:nvPr>
+            <p:ph idx="1"/>
+          </p:nvPr>
+        </p:nvSpPr>
+        <p:spPr/>
+        <p:txBody>
+          <a:bodyPr/>
+          <a:lstStyle/>
+          <a:p>
+            <a:endParaRPr lang="pt-BR"/>
+          </a:p>
+        </p:txBody>
+      </p:sp>
+      <p:pic>
+        <p:nvPicPr>
+          <p:cNvPr id="4" name="Imagem 3">
+            <a:extLst>
+              <a:ext uri="{FF2B5EF4-FFF2-40B4-BE49-F238E27FC236}">
+                <a16:creationId xmlns:a16="http://schemas.microsoft.com/office/drawing/2014/main" id="{82D37695-84F5-4D74-8DF8-2DA2CE76D089}"/>
+              </a:ext>
+            </a:extLst>
+          </p:cNvPr>
+          <p:cNvPicPr>
+            <a:picLocks noChangeAspect="1"/>
+          </p:cNvPicPr>
+          <p:nvPr/>
+        </p:nvPicPr>
+        <p:blipFill>
+          <a:blip r:embed="rId2"/>
+          <a:stretch>
+            <a:fillRect/>
+          </a:stretch>
+        </p:blipFill>
+        <p:spPr>
+          <a:xfrm>
+            <a:off x="343347" y="2529840"/>
+            <a:ext cx="11285849" cy="4041648"/>
+          </a:xfrm>
+          <a:prstGeom prst="rect">
+            <a:avLst/>
+          </a:prstGeom>
+        </p:spPr>
+      </p:pic>
+    </p:spTree>
+    <p:extLst>
+      <p:ext uri="{BB962C8B-B14F-4D97-AF65-F5344CB8AC3E}">
+        <p14:creationId xmlns:p14="http://schemas.microsoft.com/office/powerpoint/2010/main" val="1038190934"/>
+      </p:ext>
+    </p:extLst>
+  </p:cSld>
+  <p:clrMapOvr>
+    <a:masterClrMapping/>
+  </p:clrMapOvr>
+</p:sld>
+</file>
+
+<file path=ppt/slides/slide2.xml><?xml version="1.0" encoding="utf-8"?>
+<p:sld xmlns:a="http://schemas.openxmlformats.org/drawingml/2006/main" xmlns:r="http://schemas.openxmlformats.org/officeDocument/2006/relationships" xmlns:p="http://schemas.openxmlformats.org/presentationml/2006/main">
+  <p:cSld>
+    <p:spTree>
+      <p:nvGrpSpPr>
+        <p:cNvPr id="1" name=""/>
+        <p:cNvGrpSpPr/>
+        <p:nvPr/>
+      </p:nvGrpSpPr>
+      <p:grpSpPr>
+        <a:xfrm>
+          <a:off x="0" y="0"/>
+          <a:ext cx="0" cy="0"/>
+          <a:chOff x="0" y="0"/>
+          <a:chExt cx="0" cy="0"/>
+        </a:xfrm>
+      </p:grpSpPr>
+      <p:sp>
+        <p:nvSpPr>
+          <p:cNvPr id="2" name="Título 1">
+            <a:extLst>
+              <a:ext uri="{FF2B5EF4-FFF2-40B4-BE49-F238E27FC236}">
+                <a16:creationId xmlns:a16="http://schemas.microsoft.com/office/drawing/2014/main" id="{5C42FCA5-1C2A-449C-9144-F81B93671FD4}"/>
+              </a:ext>
+            </a:extLst>
+          </p:cNvPr>
+          <p:cNvSpPr>
+            <a:spLocks noGrp="1"/>
+          </p:cNvSpPr>
+          <p:nvPr>
+            <p:ph type="title"/>
+          </p:nvPr>
+        </p:nvSpPr>
+        <p:spPr/>
+        <p:txBody>
+          <a:bodyPr/>
+          <a:lstStyle/>
+          <a:p>
+            <a:r>
+              <a:rPr lang="en-US" dirty="0" err="1"/>
+              <a:t>Quem</a:t>
+            </a:r>
+            <a:r>
+              <a:rPr lang="en-US" dirty="0"/>
+              <a:t> </a:t>
+            </a:r>
+            <a:r>
+              <a:rPr lang="en-US" dirty="0" err="1"/>
+              <a:t>somos</a:t>
+            </a:r>
+            <a:r>
+              <a:rPr lang="en-US" dirty="0"/>
+              <a:t>?</a:t>
+            </a:r>
+            <a:endParaRPr lang="pt-BR" dirty="0"/>
+          </a:p>
+        </p:txBody>
+      </p:sp>
+      <p:sp>
+        <p:nvSpPr>
+          <p:cNvPr id="4" name="Espaço Reservado para Texto 3">
+            <a:extLst>
+              <a:ext uri="{FF2B5EF4-FFF2-40B4-BE49-F238E27FC236}">
+                <a16:creationId xmlns:a16="http://schemas.microsoft.com/office/drawing/2014/main" id="{C855E632-DBAE-4482-912A-4F1E529E67CC}"/>
+              </a:ext>
+            </a:extLst>
+          </p:cNvPr>
+          <p:cNvSpPr>
+            <a:spLocks noGrp="1"/>
+          </p:cNvSpPr>
+          <p:nvPr>
+            <p:ph type="body" idx="1"/>
+          </p:nvPr>
+        </p:nvSpPr>
+        <p:spPr>
+          <a:xfrm>
+            <a:off x="780288" y="2218267"/>
+            <a:ext cx="4902436" cy="576262"/>
+          </a:xfrm>
+        </p:spPr>
+        <p:txBody>
+          <a:bodyPr/>
+          <a:lstStyle/>
+          <a:p>
+            <a:r>
+              <a:rPr lang="en-US" sz="2400" b="1" noProof="1"/>
+              <a:t>Matheus Eduardo Barboza Santos</a:t>
+            </a:r>
+          </a:p>
+        </p:txBody>
+      </p:sp>
+      <p:sp>
+        <p:nvSpPr>
+          <p:cNvPr id="3" name="Espaço Reservado para Conteúdo 2">
+            <a:extLst>
+              <a:ext uri="{FF2B5EF4-FFF2-40B4-BE49-F238E27FC236}">
+                <a16:creationId xmlns:a16="http://schemas.microsoft.com/office/drawing/2014/main" id="{5823BFF9-2D7B-41F8-AF1C-28BDFF8D8586}"/>
+              </a:ext>
+            </a:extLst>
+          </p:cNvPr>
+          <p:cNvSpPr>
+            <a:spLocks noGrp="1"/>
+          </p:cNvSpPr>
+          <p:nvPr>
+            <p:ph sz="half" idx="2"/>
+          </p:nvPr>
+        </p:nvSpPr>
+        <p:spPr/>
+        <p:txBody>
+          <a:bodyPr/>
+          <a:lstStyle/>
+          <a:p>
+            <a:pPr marL="342900" indent="-342900">
+              <a:buFont typeface="Arial" panose="020B0604020202020204" pitchFamily="34" charset="0"/>
+              <a:buChar char="•"/>
+            </a:pPr>
+            <a:endParaRPr lang="en-US" noProof="1"/>
+          </a:p>
+          <a:p>
+            <a:pPr marL="342900" indent="-342900">
+              <a:buFont typeface="Arial" panose="020B0604020202020204" pitchFamily="34" charset="0"/>
+              <a:buChar char="•"/>
+            </a:pPr>
+            <a:r>
+              <a:rPr lang="en-US" noProof="1"/>
+              <a:t>22 anos</a:t>
+            </a:r>
+          </a:p>
+          <a:p>
+            <a:pPr marL="342900" indent="-342900">
+              <a:buFont typeface="Arial" panose="020B0604020202020204" pitchFamily="34" charset="0"/>
+              <a:buChar char="•"/>
+            </a:pPr>
+            <a:r>
+              <a:rPr lang="en-US" noProof="1"/>
+              <a:t>Formado em Análise e Desenvolvimento de Sistemas</a:t>
+            </a:r>
+          </a:p>
+          <a:p>
+            <a:pPr marL="342900" indent="-342900">
+              <a:buFont typeface="Arial" panose="020B0604020202020204" pitchFamily="34" charset="0"/>
+              <a:buChar char="•"/>
+            </a:pPr>
+            <a:r>
+              <a:rPr lang="en-US" noProof="1"/>
+              <a:t>Técnino em Redes de computadores 2015</a:t>
+            </a:r>
+          </a:p>
+          <a:p>
+            <a:pPr marL="342900" indent="-342900">
+              <a:buFont typeface="Arial" panose="020B0604020202020204" pitchFamily="34" charset="0"/>
+              <a:buChar char="•"/>
+            </a:pPr>
+            <a:r>
+              <a:rPr lang="en-US" noProof="1"/>
+              <a:t>Trabalho na Netzee - Desenvolvedor Back-End</a:t>
+            </a:r>
+          </a:p>
+        </p:txBody>
+      </p:sp>
+      <p:sp>
+        <p:nvSpPr>
+          <p:cNvPr id="5" name="Espaço Reservado para Texto 4">
+            <a:extLst>
+              <a:ext uri="{FF2B5EF4-FFF2-40B4-BE49-F238E27FC236}">
+                <a16:creationId xmlns:a16="http://schemas.microsoft.com/office/drawing/2014/main" id="{FD2E5C47-EEDD-44F8-8250-8B5891C49092}"/>
+              </a:ext>
+            </a:extLst>
+          </p:cNvPr>
+          <p:cNvSpPr>
+            <a:spLocks noGrp="1"/>
+          </p:cNvSpPr>
+          <p:nvPr>
+            <p:ph type="body" sz="quarter" idx="3"/>
+          </p:nvPr>
+        </p:nvSpPr>
+        <p:spPr>
+          <a:xfrm>
+            <a:off x="5823483" y="2226734"/>
+            <a:ext cx="4995333" cy="576262"/>
+          </a:xfrm>
+        </p:spPr>
+        <p:txBody>
+          <a:bodyPr/>
+          <a:lstStyle/>
+          <a:p>
+            <a:r>
+              <a:rPr lang="en-US" dirty="0"/>
+              <a:t>José Vinicius</a:t>
+            </a:r>
+            <a:endParaRPr lang="pt-BR" dirty="0"/>
+          </a:p>
+        </p:txBody>
+      </p:sp>
+      <p:sp>
+        <p:nvSpPr>
+          <p:cNvPr id="6" name="Espaço Reservado para Conteúdo 5">
+            <a:extLst>
+              <a:ext uri="{FF2B5EF4-FFF2-40B4-BE49-F238E27FC236}">
+                <a16:creationId xmlns:a16="http://schemas.microsoft.com/office/drawing/2014/main" id="{C83BBFE9-FB16-4148-98E6-9F2F07546C4D}"/>
+              </a:ext>
+            </a:extLst>
+          </p:cNvPr>
+          <p:cNvSpPr>
+            <a:spLocks noGrp="1"/>
+          </p:cNvSpPr>
+          <p:nvPr>
+            <p:ph sz="quarter" idx="4"/>
+          </p:nvPr>
+        </p:nvSpPr>
+        <p:spPr/>
+        <p:txBody>
+          <a:bodyPr/>
+          <a:lstStyle/>
+          <a:p>
+            <a:pPr marL="342900" indent="-342900">
+              <a:buFont typeface="Arial" panose="020B0604020202020204" pitchFamily="34" charset="0"/>
+              <a:buChar char="•"/>
+            </a:pPr>
+            <a:endParaRPr lang="en-US" noProof="1"/>
+          </a:p>
+          <a:p>
+            <a:pPr marL="342900" indent="-342900">
+              <a:buFont typeface="Arial" panose="020B0604020202020204" pitchFamily="34" charset="0"/>
+              <a:buChar char="•"/>
+            </a:pPr>
+            <a:r>
+              <a:rPr lang="en-US" noProof="1"/>
+              <a:t>23 anos</a:t>
+            </a:r>
+          </a:p>
+          <a:p>
+            <a:pPr marL="342900" indent="-342900">
+              <a:buFont typeface="Arial" panose="020B0604020202020204" pitchFamily="34" charset="0"/>
+              <a:buChar char="•"/>
+            </a:pPr>
+            <a:r>
+              <a:rPr lang="en-US" noProof="1"/>
+              <a:t>Técnino em Informática para internet</a:t>
+            </a:r>
+          </a:p>
+          <a:p>
+            <a:pPr marL="342900" indent="-342900">
+              <a:buFont typeface="Arial" panose="020B0604020202020204" pitchFamily="34" charset="0"/>
+              <a:buChar char="•"/>
+            </a:pPr>
+            <a:r>
+              <a:rPr lang="en-US" noProof="1"/>
+              <a:t>Técnino em Redes de computadores 2015</a:t>
+            </a:r>
+          </a:p>
+          <a:p>
+            <a:pPr marL="342900" indent="-342900">
+              <a:buFont typeface="Arial" panose="020B0604020202020204" pitchFamily="34" charset="0"/>
+              <a:buChar char="•"/>
+            </a:pPr>
+            <a:r>
+              <a:rPr lang="en-US" noProof="1"/>
+              <a:t>Trabalho na Netzee - Desenvolvedor Front-End</a:t>
+            </a:r>
+          </a:p>
+          <a:p>
+            <a:endParaRPr lang="pt-BR" dirty="0"/>
+          </a:p>
+        </p:txBody>
+      </p:sp>
+    </p:spTree>
+    <p:extLst>
+      <p:ext uri="{BB962C8B-B14F-4D97-AF65-F5344CB8AC3E}">
+        <p14:creationId xmlns:p14="http://schemas.microsoft.com/office/powerpoint/2010/main" val="423649402"/>
+      </p:ext>
+    </p:extLst>
+  </p:cSld>
+  <p:clrMapOvr>
+    <a:masterClrMapping/>
+  </p:clrMapOvr>
+</p:sld>
+</file>
+
+<file path=ppt/slides/slide3.xml><?xml version="1.0" encoding="utf-8"?>
+<p:sld xmlns:a="http://schemas.openxmlformats.org/drawingml/2006/main" xmlns:r="http://schemas.openxmlformats.org/officeDocument/2006/relationships" xmlns:p="http://schemas.openxmlformats.org/presentationml/2006/main">
+  <p:cSld>
+    <p:bg>
+      <p:bgPr>
+        <a:blipFill>
+          <a:blip r:embed="rId2"/>
+          <a:stretch/>
+        </a:blipFill>
+        <a:effectLst/>
+      </p:bgPr>
+    </p:bg>
+    <p:spTree>
+      <p:nvGrpSpPr>
+        <p:cNvPr id="1" name=""/>
+        <p:cNvGrpSpPr/>
+        <p:nvPr/>
+      </p:nvGrpSpPr>
+      <p:grpSpPr>
+        <a:xfrm>
+          <a:off x="0" y="0"/>
+          <a:ext cx="0" cy="0"/>
+          <a:chOff x="0" y="0"/>
+          <a:chExt cx="0" cy="0"/>
+        </a:xfrm>
+      </p:grpSpPr>
+      <p:sp>
+        <p:nvSpPr>
+          <p:cNvPr id="7" name="Título 6">
+            <a:extLst>
+              <a:ext uri="{FF2B5EF4-FFF2-40B4-BE49-F238E27FC236}">
+                <a16:creationId xmlns:a16="http://schemas.microsoft.com/office/drawing/2014/main" id="{BF24D9F6-FFB7-494D-9337-1409B7DAAB72}"/>
+              </a:ext>
+            </a:extLst>
+          </p:cNvPr>
+          <p:cNvSpPr>
+            <a:spLocks noGrp="1"/>
+          </p:cNvSpPr>
+          <p:nvPr>
+            <p:ph type="title"/>
+          </p:nvPr>
+        </p:nvSpPr>
+        <p:spPr>
+          <a:xfrm>
+            <a:off x="685802" y="609600"/>
+            <a:ext cx="6282266" cy="1456267"/>
+          </a:xfrm>
+        </p:spPr>
+        <p:txBody>
+          <a:bodyPr>
+            <a:normAutofit/>
+          </a:bodyPr>
+          <a:lstStyle/>
+          <a:p>
+            <a:r>
+              <a:rPr lang="en-US" sz="3600" err="1"/>
+              <a:t>Netzee</a:t>
+            </a:r>
+            <a:r>
+              <a:rPr lang="en-US" sz="3600"/>
+              <a:t> – </a:t>
+            </a:r>
+            <a:r>
+              <a:rPr lang="en-US" sz="3600" err="1"/>
+              <a:t>Agência</a:t>
+            </a:r>
+            <a:r>
+              <a:rPr lang="en-US" sz="3600"/>
+              <a:t> Digital</a:t>
+            </a:r>
+            <a:endParaRPr lang="pt-BR" sz="3600"/>
+          </a:p>
+        </p:txBody>
+      </p:sp>
+      <p:sp>
+        <p:nvSpPr>
+          <p:cNvPr id="8" name="Espaço Reservado para Conteúdo 7">
+            <a:extLst>
+              <a:ext uri="{FF2B5EF4-FFF2-40B4-BE49-F238E27FC236}">
+                <a16:creationId xmlns:a16="http://schemas.microsoft.com/office/drawing/2014/main" id="{E0E42143-3EA8-4C8C-921D-129B7381983F}"/>
+              </a:ext>
+            </a:extLst>
+          </p:cNvPr>
+          <p:cNvSpPr>
+            <a:spLocks noGrp="1"/>
+          </p:cNvSpPr>
+          <p:nvPr>
+            <p:ph idx="1"/>
+          </p:nvPr>
+        </p:nvSpPr>
+        <p:spPr>
+          <a:xfrm>
+            <a:off x="685802" y="2142067"/>
+            <a:ext cx="6282266" cy="3649133"/>
+          </a:xfrm>
+        </p:spPr>
+        <p:txBody>
+          <a:bodyPr>
+            <a:normAutofit/>
+          </a:bodyPr>
+          <a:lstStyle/>
+          <a:p>
+            <a:r>
+              <a:rPr lang="pt-BR" sz="1800"/>
+              <a:t>A </a:t>
+            </a:r>
+            <a:r>
+              <a:rPr lang="pt-BR" sz="1800" err="1"/>
+              <a:t>Netzee</a:t>
+            </a:r>
+            <a:r>
+              <a:rPr lang="pt-BR" sz="1800"/>
+              <a:t> é uma agência digital especializada no desenvolvimento de soluções para e-commerce, principalmente design para diversas plataformas e otimização para mecanismos de busca.</a:t>
+            </a:r>
+          </a:p>
+          <a:p>
+            <a:r>
+              <a:rPr lang="en-US" sz="1800" noProof="1"/>
+              <a:t>São mais de 10 anos anos neste área.</a:t>
+            </a:r>
+          </a:p>
+        </p:txBody>
+      </p:sp>
+      <p:pic>
+        <p:nvPicPr>
+          <p:cNvPr id="10" name="Imagem 9" descr="Fundo preto com letras brancas&#10;&#10;Descrição gerada automaticamente">
+            <a:extLst>
+              <a:ext uri="{FF2B5EF4-FFF2-40B4-BE49-F238E27FC236}">
+                <a16:creationId xmlns:a16="http://schemas.microsoft.com/office/drawing/2014/main" id="{04696EA1-F8B3-4189-8FE8-D7AED11FC570}"/>
+              </a:ext>
+            </a:extLst>
+          </p:cNvPr>
+          <p:cNvPicPr>
+            <a:picLocks noChangeAspect="1"/>
+          </p:cNvPicPr>
+          <p:nvPr/>
+        </p:nvPicPr>
+        <p:blipFill>
+          <a:blip r:embed="rId3"/>
+          <a:stretch>
+            <a:fillRect/>
+          </a:stretch>
+        </p:blipFill>
+        <p:spPr>
+          <a:xfrm>
+            <a:off x="7590936" y="1668042"/>
+            <a:ext cx="3445714" cy="3445714"/>
+          </a:xfrm>
+          <a:prstGeom prst="roundRect">
+            <a:avLst>
+              <a:gd name="adj" fmla="val 4380"/>
+            </a:avLst>
+          </a:prstGeom>
+          <a:ln w="50800" cap="sq" cmpd="dbl">
+            <a:gradFill flip="none" rotWithShape="1">
+              <a:gsLst>
+                <a:gs pos="0">
+                  <a:srgbClr val="FFFFFF"/>
+                </a:gs>
+                <a:gs pos="100000">
+                  <a:schemeClr val="tx1">
+                    <a:alpha val="0"/>
+                  </a:schemeClr>
+                </a:gs>
+              </a:gsLst>
+              <a:path path="circle">
+                <a:fillToRect l="50000" t="50000" r="50000" b="50000"/>
+              </a:path>
+              <a:tileRect/>
+            </a:gradFill>
+            <a:miter lim="800000"/>
+          </a:ln>
+          <a:effectLst>
+            <a:outerShdw blurRad="254000" algn="tl" rotWithShape="0">
+              <a:srgbClr val="000000">
+                <a:alpha val="43000"/>
+              </a:srgbClr>
+            </a:outerShdw>
+          </a:effectLst>
+        </p:spPr>
+      </p:pic>
+    </p:spTree>
+    <p:extLst>
+      <p:ext uri="{BB962C8B-B14F-4D97-AF65-F5344CB8AC3E}">
+        <p14:creationId xmlns:p14="http://schemas.microsoft.com/office/powerpoint/2010/main" val="1465890411"/>
+      </p:ext>
+    </p:extLst>
+  </p:cSld>
+  <p:clrMapOvr>
+    <a:masterClrMapping/>
+  </p:clrMapOvr>
+</p:sld>
+</file>
+
+<file path=ppt/slides/slide4.xml><?xml version="1.0" encoding="utf-8"?>
+<p:sld xmlns:a="http://schemas.openxmlformats.org/drawingml/2006/main" xmlns:r="http://schemas.openxmlformats.org/officeDocument/2006/relationships" xmlns:p="http://schemas.openxmlformats.org/presentationml/2006/main">
+  <p:cSld>
+    <p:spTree>
+      <p:nvGrpSpPr>
+        <p:cNvPr id="1" name=""/>
+        <p:cNvGrpSpPr/>
+        <p:nvPr/>
+      </p:nvGrpSpPr>
+      <p:grpSpPr>
+        <a:xfrm>
+          <a:off x="0" y="0"/>
+          <a:ext cx="0" cy="0"/>
+          <a:chOff x="0" y="0"/>
+          <a:chExt cx="0" cy="0"/>
+        </a:xfrm>
+      </p:grpSpPr>
+      <p:sp>
+        <p:nvSpPr>
+          <p:cNvPr id="2" name="Título 1">
+            <a:extLst>
+              <a:ext uri="{FF2B5EF4-FFF2-40B4-BE49-F238E27FC236}">
+                <a16:creationId xmlns:a16="http://schemas.microsoft.com/office/drawing/2014/main" id="{B2956F0C-9BE8-4AA1-BE97-716660865B0E}"/>
+              </a:ext>
+            </a:extLst>
+          </p:cNvPr>
+          <p:cNvSpPr>
+            <a:spLocks noGrp="1"/>
+          </p:cNvSpPr>
+          <p:nvPr>
+            <p:ph type="title"/>
+          </p:nvPr>
+        </p:nvSpPr>
+        <p:spPr>
+          <a:xfrm>
+            <a:off x="685801" y="609600"/>
+            <a:ext cx="2959607" cy="1456267"/>
+          </a:xfrm>
+        </p:spPr>
+        <p:txBody>
+          <a:bodyPr/>
+          <a:lstStyle/>
+          <a:p>
+            <a:r>
+              <a:rPr lang="en-US" dirty="0" err="1"/>
+              <a:t>Nosso</a:t>
+            </a:r>
+            <a:r>
+              <a:rPr lang="en-US" dirty="0"/>
+              <a:t> </a:t>
+            </a:r>
+            <a:r>
+              <a:rPr lang="en-US" dirty="0" err="1"/>
+              <a:t>projeto</a:t>
+            </a:r>
+            <a:endParaRPr lang="pt-BR" dirty="0"/>
+          </a:p>
+        </p:txBody>
+      </p:sp>
+      <p:sp>
+        <p:nvSpPr>
+          <p:cNvPr id="3" name="Espaço Reservado para Conteúdo 2">
+            <a:extLst>
+              <a:ext uri="{FF2B5EF4-FFF2-40B4-BE49-F238E27FC236}">
+                <a16:creationId xmlns:a16="http://schemas.microsoft.com/office/drawing/2014/main" id="{FA18CED9-0F24-46E6-8FC3-A6B2028D96AC}"/>
+              </a:ext>
+            </a:extLst>
+          </p:cNvPr>
+          <p:cNvSpPr>
+            <a:spLocks noGrp="1"/>
+          </p:cNvSpPr>
+          <p:nvPr>
+            <p:ph idx="1"/>
+          </p:nvPr>
+        </p:nvSpPr>
+        <p:spPr/>
+        <p:txBody>
+          <a:bodyPr/>
+          <a:lstStyle/>
+          <a:p>
+            <a:endParaRPr lang="pt-BR"/>
+          </a:p>
+        </p:txBody>
+      </p:sp>
+      <p:pic>
+        <p:nvPicPr>
+          <p:cNvPr id="3074" name="Picture 2">
+            <a:extLst>
+              <a:ext uri="{FF2B5EF4-FFF2-40B4-BE49-F238E27FC236}">
+                <a16:creationId xmlns:a16="http://schemas.microsoft.com/office/drawing/2014/main" id="{E8039EE3-1EE2-4128-8305-A729CF955FAF}"/>
+              </a:ext>
+            </a:extLst>
+          </p:cNvPr>
+          <p:cNvPicPr>
+            <a:picLocks noChangeAspect="1" noChangeArrowheads="1"/>
+          </p:cNvPicPr>
+          <p:nvPr/>
+        </p:nvPicPr>
+        <p:blipFill rotWithShape="1">
+          <a:blip r:embed="rId2">
+            <a:extLst>
+              <a:ext uri="{28A0092B-C50C-407E-A947-70E740481C1C}">
+                <a14:useLocalDpi xmlns:a14="http://schemas.microsoft.com/office/drawing/2010/main" val="0"/>
+              </a:ext>
+            </a:extLst>
+          </a:blip>
+          <a:srcRect l="5625" t="8985" r="25517"/>
+          <a:stretch/>
+        </p:blipFill>
+        <p:spPr bwMode="auto">
+          <a:xfrm>
+            <a:off x="3645408" y="481505"/>
+            <a:ext cx="8395137" cy="5894990"/>
+          </a:xfrm>
+          <a:prstGeom prst="rect">
+            <a:avLst/>
+          </a:prstGeom>
+          <a:noFill/>
+          <a:extLst>
+            <a:ext uri="{909E8E84-426E-40DD-AFC4-6F175D3DCCD1}">
+              <a14:hiddenFill xmlns:a14="http://schemas.microsoft.com/office/drawing/2010/main">
+                <a:solidFill>
+                  <a:srgbClr val="FFFFFF"/>
+                </a:solidFill>
+              </a14:hiddenFill>
+            </a:ext>
+          </a:extLst>
+        </p:spPr>
+      </p:pic>
+    </p:spTree>
+    <p:extLst>
+      <p:ext uri="{BB962C8B-B14F-4D97-AF65-F5344CB8AC3E}">
+        <p14:creationId xmlns:p14="http://schemas.microsoft.com/office/powerpoint/2010/main" val="4014288151"/>
+      </p:ext>
+    </p:extLst>
+  </p:cSld>
+  <p:clrMapOvr>
+    <a:masterClrMapping/>
+  </p:clrMapOvr>
+</p:sld>
+</file>
+
+<file path=ppt/slides/slide5.xml><?xml version="1.0" encoding="utf-8"?>
+<p:sld xmlns:a="http://schemas.openxmlformats.org/drawingml/2006/main" xmlns:r="http://schemas.openxmlformats.org/officeDocument/2006/relationships" xmlns:p="http://schemas.openxmlformats.org/presentationml/2006/main">
+  <p:cSld>
+    <p:spTree>
+      <p:nvGrpSpPr>
+        <p:cNvPr id="1" name=""/>
+        <p:cNvGrpSpPr/>
+        <p:nvPr/>
+      </p:nvGrpSpPr>
+      <p:grpSpPr>
+        <a:xfrm>
+          <a:off x="0" y="0"/>
+          <a:ext cx="0" cy="0"/>
+          <a:chOff x="0" y="0"/>
+          <a:chExt cx="0" cy="0"/>
+        </a:xfrm>
+      </p:grpSpPr>
+      <p:sp>
+        <p:nvSpPr>
+          <p:cNvPr id="2" name="Título 1">
+            <a:extLst>
+              <a:ext uri="{FF2B5EF4-FFF2-40B4-BE49-F238E27FC236}">
+                <a16:creationId xmlns:a16="http://schemas.microsoft.com/office/drawing/2014/main" id="{17CE900C-1485-4EC2-96DB-CD2DF0FD8BF7}"/>
+              </a:ext>
+            </a:extLst>
+          </p:cNvPr>
+          <p:cNvSpPr>
+            <a:spLocks noGrp="1"/>
+          </p:cNvSpPr>
+          <p:nvPr>
+            <p:ph type="title"/>
+          </p:nvPr>
+        </p:nvSpPr>
+        <p:spPr/>
+        <p:txBody>
+          <a:bodyPr/>
+          <a:lstStyle/>
+          <a:p>
+            <a:r>
+              <a:rPr lang="en-US" dirty="0" err="1"/>
+              <a:t>Quais</a:t>
+            </a:r>
+            <a:r>
+              <a:rPr lang="en-US" dirty="0"/>
+              <a:t> </a:t>
+            </a:r>
+            <a:r>
+              <a:rPr lang="pt-BR" dirty="0"/>
+              <a:t>tecnologias</a:t>
+            </a:r>
+            <a:r>
+              <a:rPr lang="en-US" dirty="0"/>
+              <a:t> </a:t>
+            </a:r>
+            <a:r>
+              <a:rPr lang="en-US" dirty="0" err="1"/>
+              <a:t>nós</a:t>
+            </a:r>
+            <a:r>
+              <a:rPr lang="en-US" dirty="0"/>
+              <a:t> </a:t>
+            </a:r>
+            <a:r>
+              <a:rPr lang="en-US" dirty="0" err="1"/>
+              <a:t>usaremos</a:t>
+            </a:r>
+            <a:endParaRPr lang="pt-BR" dirty="0"/>
+          </a:p>
+        </p:txBody>
+      </p:sp>
+      <p:pic>
+        <p:nvPicPr>
+          <p:cNvPr id="1036" name="Picture 12" descr="Imagem relacionada">
+            <a:extLst>
+              <a:ext uri="{FF2B5EF4-FFF2-40B4-BE49-F238E27FC236}">
+                <a16:creationId xmlns:a16="http://schemas.microsoft.com/office/drawing/2014/main" id="{7622C245-E781-4190-A8C4-1D818394E7EB}"/>
+              </a:ext>
+            </a:extLst>
+          </p:cNvPr>
+          <p:cNvPicPr>
+            <a:picLocks noGrp="1" noChangeAspect="1" noChangeArrowheads="1"/>
+          </p:cNvPicPr>
+          <p:nvPr>
+            <p:ph idx="1"/>
+          </p:nvPr>
+        </p:nvPicPr>
+        <p:blipFill>
+          <a:blip r:embed="rId2">
+            <a:extLst>
+              <a:ext uri="{28A0092B-C50C-407E-A947-70E740481C1C}">
+                <a14:useLocalDpi xmlns:a14="http://schemas.microsoft.com/office/drawing/2010/main" val="0"/>
+              </a:ext>
+            </a:extLst>
+          </a:blip>
+          <a:srcRect/>
+          <a:stretch>
+            <a:fillRect/>
+          </a:stretch>
+        </p:blipFill>
+        <p:spPr bwMode="auto">
+          <a:xfrm>
+            <a:off x="1097692" y="2065867"/>
+            <a:ext cx="9996616" cy="3894083"/>
+          </a:xfrm>
+          <a:prstGeom prst="rect">
+            <a:avLst/>
+          </a:prstGeom>
+          <a:noFill/>
+          <a:extLst>
+            <a:ext uri="{909E8E84-426E-40DD-AFC4-6F175D3DCCD1}">
+              <a14:hiddenFill xmlns:a14="http://schemas.microsoft.com/office/drawing/2010/main">
+                <a:solidFill>
+                  <a:srgbClr val="FFFFFF"/>
+                </a:solidFill>
+              </a14:hiddenFill>
+            </a:ext>
+          </a:extLst>
+        </p:spPr>
+      </p:pic>
+    </p:spTree>
+    <p:extLst>
+      <p:ext uri="{BB962C8B-B14F-4D97-AF65-F5344CB8AC3E}">
+        <p14:creationId xmlns:p14="http://schemas.microsoft.com/office/powerpoint/2010/main" val="1073135865"/>
+      </p:ext>
+    </p:extLst>
+  </p:cSld>
+  <p:clrMapOvr>
+    <a:masterClrMapping/>
+  </p:clrMapOvr>
+</p:sld>
+</file>
+
+<file path=ppt/slides/slide6.xml><?xml version="1.0" encoding="utf-8"?>
+<p:sld xmlns:a="http://schemas.openxmlformats.org/drawingml/2006/main" xmlns:r="http://schemas.openxmlformats.org/officeDocument/2006/relationships" xmlns:p="http://schemas.openxmlformats.org/presentationml/2006/main">
+  <p:cSld>
+    <p:spTree>
+      <p:nvGrpSpPr>
+        <p:cNvPr id="1" name=""/>
+        <p:cNvGrpSpPr/>
+        <p:nvPr/>
+      </p:nvGrpSpPr>
+      <p:grpSpPr>
+        <a:xfrm>
+          <a:off x="0" y="0"/>
+          <a:ext cx="0" cy="0"/>
+          <a:chOff x="0" y="0"/>
+          <a:chExt cx="0" cy="0"/>
+        </a:xfrm>
+      </p:grpSpPr>
+      <p:sp>
+        <p:nvSpPr>
+          <p:cNvPr id="2" name="Título 1">
+            <a:extLst>
+              <a:ext uri="{FF2B5EF4-FFF2-40B4-BE49-F238E27FC236}">
+                <a16:creationId xmlns:a16="http://schemas.microsoft.com/office/drawing/2014/main" id="{DF69E7E1-33EC-4375-A04B-0159F8842916}"/>
+              </a:ext>
+            </a:extLst>
+          </p:cNvPr>
+          <p:cNvSpPr>
+            <a:spLocks noGrp="1"/>
+          </p:cNvSpPr>
+          <p:nvPr>
+            <p:ph type="title"/>
+          </p:nvPr>
+        </p:nvSpPr>
+        <p:spPr/>
+        <p:txBody>
+          <a:bodyPr/>
+          <a:lstStyle/>
+          <a:p>
+            <a:r>
+              <a:rPr lang="en-US" dirty="0" err="1"/>
+              <a:t>Só</a:t>
+            </a:r>
+            <a:r>
+              <a:rPr lang="en-US" dirty="0"/>
+              <a:t> </a:t>
+            </a:r>
+            <a:r>
+              <a:rPr lang="en-US" dirty="0" err="1"/>
+              <a:t>isso</a:t>
+            </a:r>
+            <a:r>
+              <a:rPr lang="en-US" dirty="0"/>
+              <a:t>…? </a:t>
+            </a:r>
+            <a:r>
+              <a:rPr lang="en-US" dirty="0" err="1"/>
+              <a:t>Não</a:t>
+            </a:r>
+            <a:r>
+              <a:rPr lang="en-US" dirty="0"/>
+              <a:t>, </a:t>
+            </a:r>
+            <a:r>
+              <a:rPr lang="en-US" dirty="0" err="1"/>
+              <a:t>vamos</a:t>
+            </a:r>
+            <a:r>
+              <a:rPr lang="en-US" dirty="0"/>
+              <a:t> </a:t>
+            </a:r>
+            <a:r>
+              <a:rPr lang="en-US" dirty="0" err="1"/>
+              <a:t>usar</a:t>
+            </a:r>
+            <a:r>
+              <a:rPr lang="en-US" dirty="0"/>
+              <a:t> </a:t>
+            </a:r>
+            <a:r>
+              <a:rPr lang="en-US" dirty="0" err="1"/>
+              <a:t>uma</a:t>
+            </a:r>
+            <a:r>
+              <a:rPr lang="en-US" dirty="0"/>
+              <a:t> </a:t>
+            </a:r>
+            <a:r>
+              <a:rPr lang="en-US" dirty="0" err="1"/>
+              <a:t>api</a:t>
+            </a:r>
+            <a:endParaRPr lang="pt-BR" dirty="0"/>
+          </a:p>
+        </p:txBody>
+      </p:sp>
+      <p:sp>
+        <p:nvSpPr>
+          <p:cNvPr id="3" name="Espaço Reservado para Conteúdo 2">
+            <a:extLst>
+              <a:ext uri="{FF2B5EF4-FFF2-40B4-BE49-F238E27FC236}">
+                <a16:creationId xmlns:a16="http://schemas.microsoft.com/office/drawing/2014/main" id="{B112F388-95C3-49AE-ABD0-A5E7123382EE}"/>
+              </a:ext>
+            </a:extLst>
+          </p:cNvPr>
+          <p:cNvSpPr>
+            <a:spLocks noGrp="1"/>
+          </p:cNvSpPr>
+          <p:nvPr>
+            <p:ph idx="1"/>
+          </p:nvPr>
+        </p:nvSpPr>
+        <p:spPr/>
+        <p:txBody>
+          <a:bodyPr/>
+          <a:lstStyle/>
+          <a:p>
+            <a:r>
+              <a:rPr lang="pt-BR" dirty="0"/>
+              <a:t>Irá nos fornecer todos as informações dos </a:t>
+            </a:r>
+            <a:r>
+              <a:rPr lang="pt-BR" dirty="0" err="1"/>
+              <a:t>pokémons</a:t>
+            </a:r>
+            <a:r>
+              <a:rPr lang="pt-BR" dirty="0"/>
+              <a:t>.</a:t>
+            </a:r>
+          </a:p>
+          <a:p>
+            <a:pPr marL="0" indent="0">
+              <a:buNone/>
+            </a:pPr>
+            <a:endParaRPr lang="pt-BR" dirty="0"/>
+          </a:p>
+          <a:p>
+            <a:pPr marL="0" indent="0">
+              <a:buNone/>
+            </a:pPr>
+            <a:r>
+              <a:rPr lang="pt-BR" b="1" dirty="0"/>
+              <a:t>O que é uma API</a:t>
+            </a:r>
+          </a:p>
+          <a:p>
+            <a:endParaRPr lang="pt-BR" dirty="0"/>
+          </a:p>
+          <a:p>
+            <a:r>
+              <a:rPr lang="pt-BR" dirty="0"/>
+              <a:t>Elas são uma forma de </a:t>
+            </a:r>
+            <a:r>
+              <a:rPr lang="pt-BR" b="1" dirty="0"/>
+              <a:t>integrar sistemas.</a:t>
+            </a:r>
+          </a:p>
+          <a:p>
+            <a:r>
+              <a:rPr lang="pt-BR" dirty="0"/>
+              <a:t>Elas fornecem algum tipo de serviço, no nosso caso consultas sobre </a:t>
+            </a:r>
+            <a:r>
+              <a:rPr lang="pt-BR" dirty="0" err="1"/>
+              <a:t>pokémons</a:t>
+            </a:r>
+            <a:r>
+              <a:rPr lang="pt-BR" dirty="0"/>
+              <a:t>.</a:t>
+            </a:r>
+          </a:p>
+        </p:txBody>
+      </p:sp>
+    </p:spTree>
+    <p:extLst>
+      <p:ext uri="{BB962C8B-B14F-4D97-AF65-F5344CB8AC3E}">
+        <p14:creationId xmlns:p14="http://schemas.microsoft.com/office/powerpoint/2010/main" val="3453866523"/>
+      </p:ext>
+    </p:extLst>
+  </p:cSld>
+  <p:clrMapOvr>
+    <a:masterClrMapping/>
+  </p:clrMapOvr>
+</p:sld>
+</file>
+
+<file path=ppt/slides/slide7.xml><?xml version="1.0" encoding="utf-8"?>
+<p:sld xmlns:a="http://schemas.openxmlformats.org/drawingml/2006/main" xmlns:r="http://schemas.openxmlformats.org/officeDocument/2006/relationships" xmlns:p="http://schemas.openxmlformats.org/presentationml/2006/main">
+  <p:cSld>
+    <p:spTree>
+      <p:nvGrpSpPr>
+        <p:cNvPr id="1" name=""/>
+        <p:cNvGrpSpPr/>
+        <p:nvPr/>
+      </p:nvGrpSpPr>
+      <p:grpSpPr>
+        <a:xfrm>
+          <a:off x="0" y="0"/>
+          <a:ext cx="0" cy="0"/>
+          <a:chOff x="0" y="0"/>
+          <a:chExt cx="0" cy="0"/>
+        </a:xfrm>
+      </p:grpSpPr>
+      <p:sp>
+        <p:nvSpPr>
+          <p:cNvPr id="2" name="Título 1">
+            <a:extLst>
+              <a:ext uri="{FF2B5EF4-FFF2-40B4-BE49-F238E27FC236}">
+                <a16:creationId xmlns:a16="http://schemas.microsoft.com/office/drawing/2014/main" id="{E06FD925-A71B-4F82-9529-3C7E8F09DDB8}"/>
+              </a:ext>
+            </a:extLst>
+          </p:cNvPr>
+          <p:cNvSpPr>
+            <a:spLocks noGrp="1"/>
+          </p:cNvSpPr>
+          <p:nvPr>
+            <p:ph type="title"/>
+          </p:nvPr>
+        </p:nvSpPr>
+        <p:spPr/>
+        <p:txBody>
+          <a:bodyPr/>
+          <a:lstStyle/>
+          <a:p>
+            <a:r>
+              <a:rPr lang="en-US" dirty="0"/>
+              <a:t>O que </a:t>
+            </a:r>
+            <a:r>
+              <a:rPr lang="en-US" dirty="0" err="1"/>
+              <a:t>vamos</a:t>
+            </a:r>
+            <a:r>
+              <a:rPr lang="en-US" dirty="0"/>
+              <a:t> </a:t>
+            </a:r>
+            <a:r>
+              <a:rPr lang="en-US" dirty="0" err="1"/>
+              <a:t>fazer</a:t>
+            </a:r>
+            <a:endParaRPr lang="pt-BR" dirty="0"/>
+          </a:p>
+        </p:txBody>
+      </p:sp>
+      <p:sp>
+        <p:nvSpPr>
+          <p:cNvPr id="3" name="Espaço Reservado para Conteúdo 2">
+            <a:extLst>
+              <a:ext uri="{FF2B5EF4-FFF2-40B4-BE49-F238E27FC236}">
+                <a16:creationId xmlns:a16="http://schemas.microsoft.com/office/drawing/2014/main" id="{748C158F-518B-4D59-A8A0-882531F65997}"/>
+              </a:ext>
+            </a:extLst>
+          </p:cNvPr>
+          <p:cNvSpPr>
+            <a:spLocks noGrp="1"/>
+          </p:cNvSpPr>
+          <p:nvPr>
+            <p:ph idx="1"/>
+          </p:nvPr>
+        </p:nvSpPr>
+        <p:spPr/>
+        <p:txBody>
+          <a:bodyPr/>
+          <a:lstStyle/>
+          <a:p>
+            <a:r>
+              <a:rPr lang="en-US" dirty="0" err="1"/>
+              <a:t>Iremos</a:t>
+            </a:r>
+            <a:r>
+              <a:rPr lang="en-US" dirty="0"/>
+              <a:t> </a:t>
+            </a:r>
+            <a:r>
+              <a:rPr lang="en-US" dirty="0" err="1"/>
+              <a:t>fazer</a:t>
+            </a:r>
+            <a:r>
+              <a:rPr lang="en-US" dirty="0"/>
+              <a:t> um </a:t>
+            </a:r>
+            <a:r>
+              <a:rPr lang="en-US" dirty="0" err="1"/>
+              <a:t>Pokédex</a:t>
+            </a:r>
+            <a:r>
+              <a:rPr lang="en-US" dirty="0"/>
+              <a:t>, </a:t>
+            </a:r>
+            <a:r>
+              <a:rPr lang="en-US" dirty="0" err="1"/>
+              <a:t>onde</a:t>
+            </a:r>
+            <a:r>
+              <a:rPr lang="en-US" dirty="0"/>
+              <a:t> </a:t>
+            </a:r>
+            <a:r>
+              <a:rPr lang="en-US" dirty="0" err="1"/>
+              <a:t>seu</a:t>
+            </a:r>
+            <a:r>
+              <a:rPr lang="en-US" dirty="0"/>
+              <a:t> intuit </a:t>
+            </a:r>
+            <a:r>
+              <a:rPr lang="en-US" dirty="0" err="1"/>
+              <a:t>será</a:t>
+            </a:r>
+            <a:r>
+              <a:rPr lang="en-US" dirty="0"/>
+              <a:t> </a:t>
+            </a:r>
+            <a:r>
+              <a:rPr lang="en-US" dirty="0" err="1"/>
+              <a:t>listar</a:t>
+            </a:r>
+            <a:r>
+              <a:rPr lang="en-US" dirty="0"/>
+              <a:t> </a:t>
+            </a:r>
+            <a:r>
+              <a:rPr lang="en-US" dirty="0" err="1"/>
+              <a:t>os</a:t>
+            </a:r>
+            <a:r>
+              <a:rPr lang="en-US" dirty="0"/>
+              <a:t> </a:t>
+            </a:r>
+            <a:r>
+              <a:rPr lang="en-US" dirty="0" err="1"/>
+              <a:t>pokemos</a:t>
+            </a:r>
+            <a:r>
+              <a:rPr lang="en-US" dirty="0"/>
+              <a:t> e </a:t>
+            </a:r>
+            <a:r>
+              <a:rPr lang="en-US" dirty="0" err="1"/>
+              <a:t>suas</a:t>
+            </a:r>
+            <a:r>
+              <a:rPr lang="en-US" dirty="0"/>
+              <a:t> </a:t>
+            </a:r>
+            <a:r>
+              <a:rPr lang="en-US" dirty="0" err="1"/>
+              <a:t>respecitivas</a:t>
+            </a:r>
+            <a:r>
+              <a:rPr lang="en-US" dirty="0"/>
+              <a:t> imagens de </a:t>
+            </a:r>
+            <a:r>
+              <a:rPr lang="en-US" dirty="0" err="1"/>
+              <a:t>cada</a:t>
+            </a:r>
+            <a:r>
+              <a:rPr lang="en-US" dirty="0"/>
+              <a:t> </a:t>
+            </a:r>
+            <a:r>
+              <a:rPr lang="en-US" dirty="0" err="1"/>
+              <a:t>evolução</a:t>
+            </a:r>
+            <a:r>
+              <a:rPr lang="en-US" dirty="0"/>
+              <a:t>.</a:t>
+            </a:r>
+            <a:endParaRPr lang="pt-BR" dirty="0"/>
+          </a:p>
+        </p:txBody>
+      </p:sp>
+    </p:spTree>
+    <p:extLst>
+      <p:ext uri="{BB962C8B-B14F-4D97-AF65-F5344CB8AC3E}">
+        <p14:creationId xmlns:p14="http://schemas.microsoft.com/office/powerpoint/2010/main" val="1638583578"/>
+      </p:ext>
+    </p:extLst>
+  </p:cSld>
+  <p:clrMapOvr>
+    <a:masterClrMapping/>
+  </p:clrMapOvr>
+</p:sld>
+</file>
+
+<file path=ppt/slides/slide8.xml><?xml version="1.0" encoding="utf-8"?>
+<p:sld xmlns:a="http://schemas.openxmlformats.org/drawingml/2006/main" xmlns:r="http://schemas.openxmlformats.org/officeDocument/2006/relationships" xmlns:p="http://schemas.openxmlformats.org/presentationml/2006/main">
+  <p:cSld>
+    <p:spTree>
+      <p:nvGrpSpPr>
+        <p:cNvPr id="1" name=""/>
+        <p:cNvGrpSpPr/>
+        <p:nvPr/>
+      </p:nvGrpSpPr>
+      <p:grpSpPr>
+        <a:xfrm>
+          <a:off x="0" y="0"/>
+          <a:ext cx="0" cy="0"/>
+          <a:chOff x="0" y="0"/>
+          <a:chExt cx="0" cy="0"/>
+        </a:xfrm>
+      </p:grpSpPr>
+      <p:sp>
+        <p:nvSpPr>
+          <p:cNvPr id="2" name="Título 1">
+            <a:extLst>
+              <a:ext uri="{FF2B5EF4-FFF2-40B4-BE49-F238E27FC236}">
+                <a16:creationId xmlns:a16="http://schemas.microsoft.com/office/drawing/2014/main" id="{7DD54F1D-AE2D-4C81-833A-AD88FEB2B0FF}"/>
+              </a:ext>
+            </a:extLst>
+          </p:cNvPr>
+          <p:cNvSpPr>
+            <a:spLocks noGrp="1"/>
+          </p:cNvSpPr>
+          <p:nvPr>
+            <p:ph type="title"/>
+          </p:nvPr>
+        </p:nvSpPr>
+        <p:spPr/>
+        <p:txBody>
+          <a:bodyPr/>
+          <a:lstStyle/>
+          <a:p>
+            <a:r>
+              <a:rPr lang="en-US" dirty="0"/>
+              <a:t>O que </a:t>
+            </a:r>
+            <a:r>
+              <a:rPr lang="en-US" dirty="0" err="1"/>
+              <a:t>vai</a:t>
+            </a:r>
+            <a:r>
+              <a:rPr lang="en-US" dirty="0"/>
+              <a:t> </a:t>
+            </a:r>
+            <a:r>
+              <a:rPr lang="en-US" dirty="0" err="1"/>
+              <a:t>ter</a:t>
+            </a:r>
+            <a:r>
+              <a:rPr lang="en-US" dirty="0"/>
+              <a:t> </a:t>
+            </a:r>
+            <a:r>
+              <a:rPr lang="en-US" dirty="0" err="1"/>
+              <a:t>nosso</a:t>
+            </a:r>
+            <a:r>
+              <a:rPr lang="en-US" dirty="0"/>
+              <a:t> site</a:t>
+            </a:r>
+            <a:endParaRPr lang="pt-BR" dirty="0"/>
+          </a:p>
+        </p:txBody>
+      </p:sp>
+      <p:sp>
+        <p:nvSpPr>
+          <p:cNvPr id="3" name="Espaço Reservado para Conteúdo 2">
+            <a:extLst>
+              <a:ext uri="{FF2B5EF4-FFF2-40B4-BE49-F238E27FC236}">
+                <a16:creationId xmlns:a16="http://schemas.microsoft.com/office/drawing/2014/main" id="{B64AF858-615A-4DE3-8519-EF3D40ABA619}"/>
+              </a:ext>
+            </a:extLst>
+          </p:cNvPr>
+          <p:cNvSpPr>
+            <a:spLocks noGrp="1"/>
+          </p:cNvSpPr>
+          <p:nvPr>
+            <p:ph idx="1"/>
+          </p:nvPr>
+        </p:nvSpPr>
+        <p:spPr/>
+        <p:txBody>
+          <a:bodyPr/>
+          <a:lstStyle/>
+          <a:p>
+            <a:r>
+              <a:rPr lang="en-US" dirty="0"/>
+              <a:t>Favicon</a:t>
+            </a:r>
+          </a:p>
+          <a:p>
+            <a:r>
+              <a:rPr lang="en-US" dirty="0" err="1"/>
+              <a:t>Título</a:t>
+            </a:r>
+            <a:r>
+              <a:rPr lang="en-US" dirty="0"/>
+              <a:t> no </a:t>
+            </a:r>
+            <a:r>
+              <a:rPr lang="en-US" dirty="0" err="1"/>
+              <a:t>navegador</a:t>
+            </a:r>
+            <a:r>
+              <a:rPr lang="en-US" dirty="0"/>
+              <a:t> que </a:t>
+            </a:r>
+            <a:r>
+              <a:rPr lang="en-US" dirty="0" err="1"/>
+              <a:t>irá</a:t>
+            </a:r>
+            <a:r>
+              <a:rPr lang="en-US" dirty="0"/>
+              <a:t> </a:t>
+            </a:r>
+            <a:r>
+              <a:rPr lang="en-US" dirty="0" err="1"/>
+              <a:t>mudará</a:t>
+            </a:r>
+            <a:r>
+              <a:rPr lang="en-US" dirty="0"/>
+              <a:t>.</a:t>
+            </a:r>
+          </a:p>
+          <a:p>
+            <a:r>
+              <a:rPr lang="en-US" dirty="0" err="1"/>
+              <a:t>Listagem</a:t>
+            </a:r>
+            <a:r>
+              <a:rPr lang="en-US" dirty="0"/>
+              <a:t> dos </a:t>
+            </a:r>
+            <a:r>
+              <a:rPr lang="en-US" dirty="0" err="1"/>
+              <a:t>pokemon</a:t>
+            </a:r>
+            <a:endParaRPr lang="en-US" dirty="0"/>
+          </a:p>
+          <a:p>
+            <a:r>
+              <a:rPr lang="en-US" dirty="0"/>
+              <a:t>Grids com as </a:t>
+            </a:r>
+            <a:r>
+              <a:rPr lang="en-US" dirty="0" err="1"/>
+              <a:t>listagens</a:t>
+            </a:r>
+            <a:endParaRPr lang="en-US" dirty="0"/>
+          </a:p>
+          <a:p>
+            <a:r>
+              <a:rPr lang="en-US" dirty="0" err="1"/>
+              <a:t>Integração</a:t>
+            </a:r>
+            <a:r>
+              <a:rPr lang="en-US" dirty="0"/>
+              <a:t> com API</a:t>
+            </a:r>
+          </a:p>
+          <a:p>
+            <a:r>
+              <a:rPr lang="en-US" dirty="0"/>
+              <a:t>Barra de </a:t>
+            </a:r>
+            <a:r>
+              <a:rPr lang="en-US" dirty="0" err="1"/>
+              <a:t>busca</a:t>
+            </a:r>
+            <a:endParaRPr lang="en-US" dirty="0"/>
+          </a:p>
+        </p:txBody>
+      </p:sp>
+    </p:spTree>
+    <p:extLst>
+      <p:ext uri="{BB962C8B-B14F-4D97-AF65-F5344CB8AC3E}">
+        <p14:creationId xmlns:p14="http://schemas.microsoft.com/office/powerpoint/2010/main" val="1054825869"/>
+      </p:ext>
+    </p:extLst>
+  </p:cSld>
+  <p:clrMapOvr>
+    <a:masterClrMapping/>
+  </p:clrMapOvr>
+</p:sld>
+</file>
+
+<file path=ppt/slides/slide9.xml><?xml version="1.0" encoding="utf-8"?>
+<p:sld xmlns:a="http://schemas.openxmlformats.org/drawingml/2006/main" xmlns:r="http://schemas.openxmlformats.org/officeDocument/2006/relationships" xmlns:p="http://schemas.openxmlformats.org/presentationml/2006/main">
+  <p:cSld>
+    <p:spTree>
+      <p:nvGrpSpPr>
+        <p:cNvPr id="1" name=""/>
+        <p:cNvGrpSpPr/>
+        <p:nvPr/>
+      </p:nvGrpSpPr>
+      <p:grpSpPr>
+        <a:xfrm>
+          <a:off x="0" y="0"/>
+          <a:ext cx="0" cy="0"/>
+          <a:chOff x="0" y="0"/>
+          <a:chExt cx="0" cy="0"/>
+        </a:xfrm>
+      </p:grpSpPr>
+      <p:sp>
+        <p:nvSpPr>
+          <p:cNvPr id="2" name="Título 1">
+            <a:extLst>
+              <a:ext uri="{FF2B5EF4-FFF2-40B4-BE49-F238E27FC236}">
+                <a16:creationId xmlns:a16="http://schemas.microsoft.com/office/drawing/2014/main" id="{0ED40258-C3F3-4023-924C-78074CD4852D}"/>
+              </a:ext>
+            </a:extLst>
+          </p:cNvPr>
+          <p:cNvSpPr>
+            <a:spLocks noGrp="1"/>
+          </p:cNvSpPr>
+          <p:nvPr>
+            <p:ph type="title"/>
+          </p:nvPr>
+        </p:nvSpPr>
+        <p:spPr/>
+        <p:txBody>
+          <a:bodyPr/>
+          <a:lstStyle/>
+          <a:p>
+            <a:r>
+              <a:rPr lang="en-US" dirty="0"/>
+              <a:t>Favicon e </a:t>
+            </a:r>
+            <a:r>
+              <a:rPr lang="en-US" dirty="0" err="1"/>
+              <a:t>título</a:t>
+            </a:r>
+            <a:endParaRPr lang="pt-BR" dirty="0"/>
+          </a:p>
+        </p:txBody>
+      </p:sp>
+      <p:sp>
+        <p:nvSpPr>
+          <p:cNvPr id="3" name="Espaço Reservado para Conteúdo 2">
+            <a:extLst>
+              <a:ext uri="{FF2B5EF4-FFF2-40B4-BE49-F238E27FC236}">
+                <a16:creationId xmlns:a16="http://schemas.microsoft.com/office/drawing/2014/main" id="{03F18F1F-6C53-4256-A3FE-91CABA9E6119}"/>
+              </a:ext>
+            </a:extLst>
+          </p:cNvPr>
+          <p:cNvSpPr>
+            <a:spLocks noGrp="1"/>
+          </p:cNvSpPr>
+          <p:nvPr>
+            <p:ph idx="1"/>
+          </p:nvPr>
+        </p:nvSpPr>
+        <p:spPr/>
+        <p:txBody>
+          <a:bodyPr/>
+          <a:lstStyle/>
+          <a:p>
+            <a:endParaRPr lang="pt-BR" dirty="0"/>
+          </a:p>
+        </p:txBody>
+      </p:sp>
+      <p:pic>
+        <p:nvPicPr>
+          <p:cNvPr id="4" name="Imagem 3">
+            <a:extLst>
+              <a:ext uri="{FF2B5EF4-FFF2-40B4-BE49-F238E27FC236}">
+                <a16:creationId xmlns:a16="http://schemas.microsoft.com/office/drawing/2014/main" id="{7FFDED82-EB98-4B15-BC7A-BB6E4182ED75}"/>
+              </a:ext>
+            </a:extLst>
+          </p:cNvPr>
+          <p:cNvPicPr>
+            <a:picLocks noChangeAspect="1"/>
+          </p:cNvPicPr>
+          <p:nvPr/>
+        </p:nvPicPr>
+        <p:blipFill>
+          <a:blip r:embed="rId2"/>
+          <a:stretch>
+            <a:fillRect/>
+          </a:stretch>
+        </p:blipFill>
+        <p:spPr>
+          <a:xfrm>
+            <a:off x="1979171" y="2880710"/>
+            <a:ext cx="6740099" cy="1666906"/>
+          </a:xfrm>
+          <a:prstGeom prst="rect">
+            <a:avLst/>
+          </a:prstGeom>
+        </p:spPr>
+      </p:pic>
+    </p:spTree>
+    <p:extLst>
+      <p:ext uri="{BB962C8B-B14F-4D97-AF65-F5344CB8AC3E}">
+        <p14:creationId xmlns:p14="http://schemas.microsoft.com/office/powerpoint/2010/main" val="1093810044"/>
       </p:ext>
     </p:extLst>
   </p:cSld>

--- a/UsandoApi.pptx
+++ b/UsandoApi.pptx
@@ -22,6 +22,7 @@
     <p:sldId id="269" r:id="rId16"/>
     <p:sldId id="270" r:id="rId17"/>
     <p:sldId id="268" r:id="rId18"/>
+    <p:sldId id="273" r:id="rId19"/>
   </p:sldIdLst>
   <p:sldSz cx="12192000" cy="6858000"/>
   <p:notesSz cx="6858000" cy="9144000"/>
@@ -6910,6 +6911,103 @@
 </p:sld>
 </file>
 
+<file path=ppt/slides/slide18.xml><?xml version="1.0" encoding="utf-8"?>
+<p:sld xmlns:a="http://schemas.openxmlformats.org/drawingml/2006/main" xmlns:r="http://schemas.openxmlformats.org/officeDocument/2006/relationships" xmlns:p="http://schemas.openxmlformats.org/presentationml/2006/main">
+  <p:cSld>
+    <p:spTree>
+      <p:nvGrpSpPr>
+        <p:cNvPr id="1" name=""/>
+        <p:cNvGrpSpPr/>
+        <p:nvPr/>
+      </p:nvGrpSpPr>
+      <p:grpSpPr>
+        <a:xfrm>
+          <a:off x="0" y="0"/>
+          <a:ext cx="0" cy="0"/>
+          <a:chOff x="0" y="0"/>
+          <a:chExt cx="0" cy="0"/>
+        </a:xfrm>
+      </p:grpSpPr>
+      <p:sp>
+        <p:nvSpPr>
+          <p:cNvPr id="2" name="Título 1">
+            <a:extLst>
+              <a:ext uri="{FF2B5EF4-FFF2-40B4-BE49-F238E27FC236}">
+                <a16:creationId xmlns:a16="http://schemas.microsoft.com/office/drawing/2014/main" id="{AE99A833-7034-4B67-B886-D557CE7E0FF1}"/>
+              </a:ext>
+            </a:extLst>
+          </p:cNvPr>
+          <p:cNvSpPr>
+            <a:spLocks noGrp="1"/>
+          </p:cNvSpPr>
+          <p:nvPr>
+            <p:ph type="title"/>
+          </p:nvPr>
+        </p:nvSpPr>
+        <p:spPr>
+          <a:xfrm>
+            <a:off x="685801" y="3072384"/>
+            <a:ext cx="10131425" cy="1456267"/>
+          </a:xfrm>
+        </p:spPr>
+        <p:txBody>
+          <a:bodyPr/>
+          <a:lstStyle/>
+          <a:p>
+            <a:r>
+              <a:rPr lang="en-US" dirty="0" err="1"/>
+              <a:t>Vamos</a:t>
+            </a:r>
+            <a:r>
+              <a:rPr lang="en-US" dirty="0"/>
+              <a:t> </a:t>
+            </a:r>
+            <a:r>
+              <a:rPr lang="en-US" dirty="0" err="1"/>
+              <a:t>lá</a:t>
+            </a:r>
+            <a:endParaRPr lang="pt-BR" dirty="0"/>
+          </a:p>
+        </p:txBody>
+      </p:sp>
+      <p:sp>
+        <p:nvSpPr>
+          <p:cNvPr id="3" name="Espaço Reservado para Conteúdo 2">
+            <a:extLst>
+              <a:ext uri="{FF2B5EF4-FFF2-40B4-BE49-F238E27FC236}">
+                <a16:creationId xmlns:a16="http://schemas.microsoft.com/office/drawing/2014/main" id="{78072616-B47C-42A5-8928-EB64F490DDF0}"/>
+              </a:ext>
+            </a:extLst>
+          </p:cNvPr>
+          <p:cNvSpPr>
+            <a:spLocks noGrp="1"/>
+          </p:cNvSpPr>
+          <p:nvPr>
+            <p:ph idx="1"/>
+          </p:nvPr>
+        </p:nvSpPr>
+        <p:spPr/>
+        <p:txBody>
+          <a:bodyPr/>
+          <a:lstStyle/>
+          <a:p>
+            <a:endParaRPr lang="pt-BR" dirty="0"/>
+          </a:p>
+        </p:txBody>
+      </p:sp>
+    </p:spTree>
+    <p:extLst>
+      <p:ext uri="{BB962C8B-B14F-4D97-AF65-F5344CB8AC3E}">
+        <p14:creationId xmlns:p14="http://schemas.microsoft.com/office/powerpoint/2010/main" val="624751311"/>
+      </p:ext>
+    </p:extLst>
+  </p:cSld>
+  <p:clrMapOvr>
+    <a:masterClrMapping/>
+  </p:clrMapOvr>
+</p:sld>
+</file>
+
 <file path=ppt/slides/slide2.xml><?xml version="1.0" encoding="utf-8"?>
 <p:sld xmlns:a="http://schemas.openxmlformats.org/drawingml/2006/main" xmlns:r="http://schemas.openxmlformats.org/officeDocument/2006/relationships" xmlns:p="http://schemas.openxmlformats.org/presentationml/2006/main">
   <p:cSld>
@@ -7097,10 +7195,10 @@
           <a:lstStyle/>
           <a:p>
             <a:r>
-              <a:rPr lang="en-US" dirty="0"/>
+              <a:rPr lang="en-US" b="1" dirty="0"/>
               <a:t>José Vinicius</a:t>
             </a:r>
-            <a:endParaRPr lang="pt-BR" dirty="0"/>
+            <a:endParaRPr lang="pt-BR" b="1" dirty="0"/>
           </a:p>
         </p:txBody>
       </p:sp>
@@ -7469,47 +7567,32 @@
       </p:sp>
       <p:pic>
         <p:nvPicPr>
-          <p:cNvPr id="3074" name="Picture 2">
+          <p:cNvPr id="4" name="Imagem 3">
             <a:extLst>
               <a:ext uri="{FF2B5EF4-FFF2-40B4-BE49-F238E27FC236}">
-                <a16:creationId xmlns:a16="http://schemas.microsoft.com/office/drawing/2014/main" id="{E8039EE3-1EE2-4128-8305-A729CF955FAF}"/>
+                <a16:creationId xmlns:a16="http://schemas.microsoft.com/office/drawing/2014/main" id="{42F78FE5-F3FE-4642-9FCF-136680377BB1}"/>
               </a:ext>
             </a:extLst>
           </p:cNvPr>
           <p:cNvPicPr>
-            <a:picLocks noChangeAspect="1" noChangeArrowheads="1"/>
+            <a:picLocks noChangeAspect="1"/>
           </p:cNvPicPr>
           <p:nvPr/>
         </p:nvPicPr>
-        <p:blipFill rotWithShape="1">
-          <a:blip r:embed="rId2">
-            <a:extLst>
-              <a:ext uri="{28A0092B-C50C-407E-A947-70E740481C1C}">
-                <a14:useLocalDpi xmlns:a14="http://schemas.microsoft.com/office/drawing/2010/main" val="0"/>
-              </a:ext>
-            </a:extLst>
-          </a:blip>
-          <a:srcRect l="5625" t="8985" r="25517"/>
-          <a:stretch/>
+        <p:blipFill>
+          <a:blip r:embed="rId2"/>
+          <a:stretch>
+            <a:fillRect/>
+          </a:stretch>
         </p:blipFill>
-        <p:spPr bwMode="auto">
+        <p:spPr>
           <a:xfrm>
-            <a:off x="3645408" y="481505"/>
-            <a:ext cx="8395137" cy="5894990"/>
+            <a:off x="2680139" y="373522"/>
+            <a:ext cx="9399704" cy="6110955"/>
           </a:xfrm>
           <a:prstGeom prst="rect">
             <a:avLst/>
           </a:prstGeom>
-          <a:noFill/>
-          <a:extLst>
-            <a:ext uri="{909E8E84-426E-40DD-AFC4-6F175D3DCCD1}">
-              <a14:hiddenFill xmlns:a14="http://schemas.microsoft.com/office/drawing/2010/main">
-                <a:solidFill>
-                  <a:srgbClr val="FFFFFF"/>
-                </a:solidFill>
-              </a14:hiddenFill>
-            </a:ext>
-          </a:extLst>
         </p:spPr>
       </p:pic>
     </p:spTree>
@@ -7959,7 +8042,15 @@
             </a:r>
             <a:r>
               <a:rPr lang="en-US" dirty="0"/>
-              <a:t> intuit </a:t>
+              <a:t> </a:t>
+            </a:r>
+            <a:r>
+              <a:rPr lang="en-US" dirty="0" err="1"/>
+              <a:t>intuito</a:t>
+            </a:r>
+            <a:r>
+              <a:rPr lang="en-US" dirty="0"/>
+              <a:t> </a:t>
             </a:r>
             <a:r>
               <a:rPr lang="en-US" dirty="0" err="1"/>
@@ -7987,7 +8078,7 @@
             </a:r>
             <a:r>
               <a:rPr lang="en-US" dirty="0" err="1"/>
-              <a:t>pokemos</a:t>
+              <a:t>pokémos</a:t>
             </a:r>
             <a:r>
               <a:rPr lang="en-US" dirty="0"/>
@@ -8161,15 +8252,7 @@
             </a:r>
             <a:r>
               <a:rPr lang="en-US" dirty="0"/>
-              <a:t> </a:t>
-            </a:r>
-            <a:r>
-              <a:rPr lang="en-US" dirty="0" err="1"/>
-              <a:t>mudará</a:t>
-            </a:r>
-            <a:r>
-              <a:rPr lang="en-US" dirty="0"/>
-              <a:t>.</a:t>
+              <a:t> mudar.</a:t>
             </a:r>
           </a:p>
           <a:p>
@@ -8183,7 +8266,7 @@
             </a:r>
             <a:r>
               <a:rPr lang="en-US" dirty="0" err="1"/>
-              <a:t>pokemon</a:t>
+              <a:t>pokémon</a:t>
             </a:r>
             <a:endParaRPr lang="en-US" dirty="0"/>
           </a:p>
@@ -8211,7 +8294,7 @@
           <a:p>
             <a:r>
               <a:rPr lang="en-US" dirty="0"/>
-              <a:t>Barra de </a:t>
+              <a:t>Campo de </a:t>
             </a:r>
             <a:r>
               <a:rPr lang="en-US" dirty="0" err="1"/>
